--- a/Documentos/Diagrama de Solucao de Software.pptx
+++ b/Documentos/Diagrama de Solucao de Software.pptx
@@ -224,7 +224,7 @@
             <a:fld id="{C3CD65D1-5C11-455D-9F9A-0E035F00A0DA}" type="datetimeFigureOut">
               <a:rPr lang="pt-BR" smtClean="0"/>
               <a:pPr/>
-              <a:t>20/10/2021</a:t>
+              <a:t>25/11/2021</a:t>
             </a:fld>
             <a:endParaRPr lang="pt-BR"/>
           </a:p>
@@ -392,7 +392,7 @@
             <a:fld id="{A05DA3EF-18EA-43DE-B1BB-402A3C558822}" type="datetimeFigureOut">
               <a:rPr lang="pt-BR" smtClean="0"/>
               <a:pPr/>
-              <a:t>20/10/2021</a:t>
+              <a:t>25/11/2021</a:t>
             </a:fld>
             <a:endParaRPr lang="pt-BR"/>
           </a:p>
@@ -7826,7 +7826,7 @@
         </p:nvSpPr>
         <p:spPr>
           <a:xfrm>
-            <a:off x="2532887" y="1028255"/>
+            <a:off x="6732923" y="168755"/>
             <a:ext cx="2710474" cy="2376743"/>
           </a:xfrm>
           <a:prstGeom prst="flowChartMagneticDisk">
@@ -7887,10 +7887,10 @@
         </p:nvGrpSpPr>
         <p:grpSpPr>
           <a:xfrm>
-            <a:off x="9646707" y="2352793"/>
-            <a:ext cx="3118144" cy="2284296"/>
+            <a:off x="10382140" y="2408904"/>
+            <a:ext cx="3118144" cy="2284295"/>
             <a:chOff x="4116665" y="5135390"/>
-            <a:chExt cx="2878650" cy="2059646"/>
+            <a:chExt cx="2878650" cy="2059645"/>
           </a:xfrm>
         </p:grpSpPr>
         <p:sp>
@@ -7907,7 +7907,7 @@
           </p:nvSpPr>
           <p:spPr>
             <a:xfrm>
-              <a:off x="4183254" y="5178812"/>
+              <a:off x="4183254" y="5178811"/>
               <a:ext cx="2710474" cy="2016224"/>
             </a:xfrm>
             <a:prstGeom prst="rect">
@@ -8090,7 +8090,7 @@
         </p:nvSpPr>
         <p:spPr>
           <a:xfrm>
-            <a:off x="2396774" y="1847424"/>
+            <a:off x="6596810" y="987924"/>
             <a:ext cx="2862275" cy="646331"/>
           </a:xfrm>
           <a:prstGeom prst="rect">
@@ -8144,7 +8144,7 @@
         </p:nvSpPr>
         <p:spPr>
           <a:xfrm>
-            <a:off x="2593354" y="2575655"/>
+            <a:off x="6793390" y="1716155"/>
             <a:ext cx="2589540" cy="523220"/>
           </a:xfrm>
           <a:prstGeom prst="rect">
@@ -8185,7 +8185,7 @@
         </p:nvGrpSpPr>
         <p:grpSpPr>
           <a:xfrm>
-            <a:off x="6374180" y="281056"/>
+            <a:off x="9741205" y="182544"/>
             <a:ext cx="2609941" cy="2071737"/>
             <a:chOff x="7507027" y="-1094634"/>
             <a:chExt cx="2609941" cy="2071737"/>
@@ -8364,8 +8364,8 @@
         </p:nvCxnSpPr>
         <p:spPr>
           <a:xfrm flipH="1" flipV="1">
-            <a:off x="3888124" y="3404998"/>
-            <a:ext cx="528233" cy="1269410"/>
+            <a:off x="8088160" y="2545498"/>
+            <a:ext cx="81338" cy="2260145"/>
           </a:xfrm>
           <a:prstGeom prst="straightConnector1">
             <a:avLst/>
@@ -8410,7 +8410,7 @@
         </p:nvSpPr>
         <p:spPr>
           <a:xfrm>
-            <a:off x="8233643" y="5429136"/>
+            <a:off x="10632677" y="5362496"/>
             <a:ext cx="2377290" cy="2016223"/>
           </a:xfrm>
           <a:prstGeom prst="rect">
@@ -8472,7 +8472,7 @@
         </p:nvSpPr>
         <p:spPr>
           <a:xfrm>
-            <a:off x="8122355" y="5575958"/>
+            <a:off x="10521389" y="5509318"/>
             <a:ext cx="2566458" cy="646331"/>
           </a:xfrm>
           <a:prstGeom prst="rect">
@@ -8518,7 +8518,7 @@
         </p:nvSpPr>
         <p:spPr>
           <a:xfrm>
-            <a:off x="8135058" y="6398330"/>
+            <a:off x="10534092" y="6331690"/>
             <a:ext cx="2566458" cy="830997"/>
           </a:xfrm>
           <a:prstGeom prst="rect">
@@ -8556,7 +8556,7 @@
         </p:nvGrpSpPr>
         <p:grpSpPr>
           <a:xfrm>
-            <a:off x="2733376" y="4674408"/>
+            <a:off x="6486517" y="4805643"/>
             <a:ext cx="3254688" cy="2078930"/>
             <a:chOff x="8232841" y="1586976"/>
             <a:chExt cx="2806422" cy="2016224"/>
@@ -8755,8 +8755,8 @@
         </p:nvCxnSpPr>
         <p:spPr>
           <a:xfrm rot="10800000" flipV="1">
-            <a:off x="5988064" y="3519019"/>
-            <a:ext cx="3730772" cy="2194853"/>
+            <a:off x="9741205" y="3575130"/>
+            <a:ext cx="713064" cy="2269978"/>
           </a:xfrm>
           <a:prstGeom prst="bentConnector3">
             <a:avLst>
@@ -8806,12 +8806,15 @@
           <p:nvPr/>
         </p:nvCxnSpPr>
         <p:spPr>
-          <a:xfrm rot="16200000" flipV="1">
-            <a:off x="9509495" y="656508"/>
-            <a:ext cx="1063625" cy="2328945"/>
+          <a:xfrm rot="5400000" flipH="1" flipV="1">
+            <a:off x="11483411" y="1648457"/>
+            <a:ext cx="1218248" cy="302647"/>
           </a:xfrm>
-          <a:prstGeom prst="bentConnector2">
-            <a:avLst/>
+          <a:prstGeom prst="bentConnector4">
+            <a:avLst>
+              <a:gd name="adj1" fmla="val 8625"/>
+              <a:gd name="adj2" fmla="val 175534"/>
+            </a:avLst>
           </a:prstGeom>
           <a:ln w="19050">
             <a:solidFill>
@@ -8850,18 +8853,19 @@
           </p:cNvPr>
           <p:cNvCxnSpPr>
             <a:cxnSpLocks/>
-            <a:stCxn id="7" idx="2"/>
-            <a:endCxn id="59" idx="3"/>
+            <a:endCxn id="59" idx="0"/>
           </p:cNvCxnSpPr>
           <p:nvPr/>
         </p:nvCxnSpPr>
         <p:spPr>
           <a:xfrm rot="5400000">
-            <a:off x="9998800" y="5249223"/>
-            <a:ext cx="1800159" cy="575891"/>
+            <a:off x="11537144" y="4977378"/>
+            <a:ext cx="669297" cy="100939"/>
           </a:xfrm>
-          <a:prstGeom prst="bentConnector2">
-            <a:avLst/>
+          <a:prstGeom prst="bentConnector3">
+            <a:avLst>
+              <a:gd name="adj1" fmla="val 50000"/>
+            </a:avLst>
           </a:prstGeom>
           <a:ln w="19050">
             <a:solidFill>
@@ -8889,6 +8893,1050 @@
           </a:fontRef>
         </p:style>
       </p:cxnSp>
+      <p:sp>
+        <p:nvSpPr>
+          <p:cNvPr id="31" name="Retângulo 29">
+            <a:extLst>
+              <a:ext uri="{FF2B5EF4-FFF2-40B4-BE49-F238E27FC236}">
+                <a16:creationId xmlns:a16="http://schemas.microsoft.com/office/drawing/2014/main" id="{D500ABA4-BAEE-4DBE-91DC-66A25EF8F388}"/>
+              </a:ext>
+            </a:extLst>
+          </p:cNvPr>
+          <p:cNvSpPr/>
+          <p:nvPr/>
+        </p:nvSpPr>
+        <p:spPr>
+          <a:xfrm>
+            <a:off x="401784" y="1207839"/>
+            <a:ext cx="5498885" cy="6029176"/>
+          </a:xfrm>
+          <a:prstGeom prst="rect">
+            <a:avLst/>
+          </a:prstGeom>
+          <a:noFill/>
+          <a:ln>
+            <a:solidFill>
+              <a:srgbClr val="253746"/>
+            </a:solidFill>
+            <a:prstDash val="dash"/>
+          </a:ln>
+        </p:spPr>
+        <p:style>
+          <a:lnRef idx="2">
+            <a:schemeClr val="accent1">
+              <a:shade val="50000"/>
+            </a:schemeClr>
+          </a:lnRef>
+          <a:fillRef idx="1">
+            <a:schemeClr val="accent1"/>
+          </a:fillRef>
+          <a:effectRef idx="0">
+            <a:schemeClr val="accent1"/>
+          </a:effectRef>
+          <a:fontRef idx="minor">
+            <a:schemeClr val="lt1"/>
+          </a:fontRef>
+        </p:style>
+        <p:txBody>
+          <a:bodyPr rtlCol="0" anchor="ctr"/>
+          <a:lstStyle/>
+          <a:p>
+            <a:pPr algn="ctr"/>
+            <a:endParaRPr lang="pt-BR" sz="1800">
+              <a:solidFill>
+                <a:prstClr val="white"/>
+              </a:solidFill>
+              <a:latin typeface="Calibri"/>
+            </a:endParaRPr>
+          </a:p>
+        </p:txBody>
+      </p:sp>
+      <p:grpSp>
+        <p:nvGrpSpPr>
+          <p:cNvPr id="50" name="Group 38">
+            <a:extLst>
+              <a:ext uri="{FF2B5EF4-FFF2-40B4-BE49-F238E27FC236}">
+                <a16:creationId xmlns:a16="http://schemas.microsoft.com/office/drawing/2014/main" id="{ACEBDD1C-87C9-4302-9986-189218DCF3E3}"/>
+              </a:ext>
+            </a:extLst>
+          </p:cNvPr>
+          <p:cNvGrpSpPr/>
+          <p:nvPr/>
+        </p:nvGrpSpPr>
+        <p:grpSpPr>
+          <a:xfrm>
+            <a:off x="688558" y="5162752"/>
+            <a:ext cx="2294739" cy="1818248"/>
+            <a:chOff x="8788108" y="1515280"/>
+            <a:chExt cx="2566458" cy="2016224"/>
+          </a:xfrm>
+        </p:grpSpPr>
+        <p:sp>
+          <p:nvSpPr>
+            <p:cNvPr id="51" name="Retângulo 50">
+              <a:extLst>
+                <a:ext uri="{FF2B5EF4-FFF2-40B4-BE49-F238E27FC236}">
+                  <a16:creationId xmlns:a16="http://schemas.microsoft.com/office/drawing/2014/main" id="{8D81AD74-3A24-4008-9ED7-E4460CDD3B6E}"/>
+                </a:ext>
+              </a:extLst>
+            </p:cNvPr>
+            <p:cNvSpPr/>
+            <p:nvPr/>
+          </p:nvSpPr>
+          <p:spPr>
+            <a:xfrm>
+              <a:off x="8828736" y="1515280"/>
+              <a:ext cx="2376266" cy="2016224"/>
+            </a:xfrm>
+            <a:prstGeom prst="rect">
+              <a:avLst/>
+            </a:prstGeom>
+            <a:ln/>
+          </p:spPr>
+          <p:style>
+            <a:lnRef idx="2">
+              <a:schemeClr val="accent5">
+                <a:shade val="50000"/>
+              </a:schemeClr>
+            </a:lnRef>
+            <a:fillRef idx="1">
+              <a:schemeClr val="accent5"/>
+            </a:fillRef>
+            <a:effectRef idx="0">
+              <a:schemeClr val="accent5"/>
+            </a:effectRef>
+            <a:fontRef idx="minor">
+              <a:schemeClr val="lt1"/>
+            </a:fontRef>
+          </p:style>
+          <p:txBody>
+            <a:bodyPr rtlCol="0" anchor="ctr"/>
+            <a:lstStyle/>
+            <a:p>
+              <a:pPr algn="ctr"/>
+              <a:endParaRPr lang="pt-BR" sz="1600">
+                <a:solidFill>
+                  <a:prstClr val="white"/>
+                </a:solidFill>
+                <a:latin typeface="Calibri"/>
+              </a:endParaRPr>
+            </a:p>
+          </p:txBody>
+        </p:sp>
+        <p:sp>
+          <p:nvSpPr>
+            <p:cNvPr id="52" name="Retângulo 51">
+              <a:extLst>
+                <a:ext uri="{FF2B5EF4-FFF2-40B4-BE49-F238E27FC236}">
+                  <a16:creationId xmlns:a16="http://schemas.microsoft.com/office/drawing/2014/main" id="{967A9DBF-B60C-4351-898E-6E0351E37DE4}"/>
+                </a:ext>
+              </a:extLst>
+            </p:cNvPr>
+            <p:cNvSpPr/>
+            <p:nvPr/>
+          </p:nvSpPr>
+          <p:spPr>
+            <a:xfrm>
+              <a:off x="8788108" y="1583056"/>
+              <a:ext cx="2566458" cy="735754"/>
+            </a:xfrm>
+            <a:prstGeom prst="rect">
+              <a:avLst/>
+            </a:prstGeom>
+          </p:spPr>
+          <p:txBody>
+            <a:bodyPr wrap="square">
+              <a:spAutoFit/>
+            </a:bodyPr>
+            <a:lstStyle/>
+            <a:p>
+              <a:pPr lvl="0" algn="ctr">
+                <a:defRPr/>
+              </a:pPr>
+              <a:r>
+                <a:rPr lang="pt-BR" sz="1800" b="1" dirty="0">
+                  <a:solidFill>
+                    <a:prstClr val="white"/>
+                  </a:solidFill>
+                </a:rPr>
+                <a:t>Pedido </a:t>
+              </a:r>
+              <a:r>
+                <a:rPr lang="pt-BR" sz="1800" b="1" dirty="0" err="1">
+                  <a:solidFill>
+                    <a:prstClr val="white"/>
+                  </a:solidFill>
+                </a:rPr>
+                <a:t>Controller</a:t>
+              </a:r>
+              <a:endParaRPr lang="pt-BR" sz="1800" b="1" dirty="0">
+                <a:solidFill>
+                  <a:prstClr val="white"/>
+                </a:solidFill>
+              </a:endParaRPr>
+            </a:p>
+            <a:p>
+              <a:pPr lvl="0" algn="ctr">
+                <a:defRPr/>
+              </a:pPr>
+              <a:r>
+                <a:rPr lang="pt-BR" sz="1400" dirty="0">
+                  <a:solidFill>
+                    <a:prstClr val="white"/>
+                  </a:solidFill>
+                </a:rPr>
+                <a:t>[</a:t>
+              </a:r>
+              <a:r>
+                <a:rPr lang="pt-BR" sz="1400" dirty="0" err="1">
+                  <a:solidFill>
+                    <a:prstClr val="white"/>
+                  </a:solidFill>
+                </a:rPr>
+                <a:t>Component</a:t>
+              </a:r>
+              <a:r>
+                <a:rPr lang="pt-BR" sz="1400" dirty="0">
+                  <a:solidFill>
+                    <a:prstClr val="white"/>
+                  </a:solidFill>
+                </a:rPr>
+                <a:t>: Spring MVC </a:t>
+              </a:r>
+              <a:r>
+                <a:rPr lang="pt-BR" sz="1400" dirty="0" err="1">
+                  <a:solidFill>
+                    <a:prstClr val="white"/>
+                  </a:solidFill>
+                </a:rPr>
+                <a:t>Rest</a:t>
+              </a:r>
+              <a:r>
+                <a:rPr lang="pt-BR" sz="1400" dirty="0">
+                  <a:solidFill>
+                    <a:prstClr val="white"/>
+                  </a:solidFill>
+                </a:rPr>
+                <a:t> </a:t>
+              </a:r>
+              <a:r>
+                <a:rPr lang="pt-BR" sz="1400" dirty="0" err="1">
+                  <a:solidFill>
+                    <a:prstClr val="white"/>
+                  </a:solidFill>
+                </a:rPr>
+                <a:t>Controller</a:t>
+              </a:r>
+              <a:r>
+                <a:rPr lang="pt-BR" sz="1400" dirty="0">
+                  <a:solidFill>
+                    <a:prstClr val="white"/>
+                  </a:solidFill>
+                </a:rPr>
+                <a:t>]</a:t>
+              </a:r>
+            </a:p>
+          </p:txBody>
+        </p:sp>
+        <p:sp>
+          <p:nvSpPr>
+            <p:cNvPr id="53" name="Retângulo 20">
+              <a:extLst>
+                <a:ext uri="{FF2B5EF4-FFF2-40B4-BE49-F238E27FC236}">
+                  <a16:creationId xmlns:a16="http://schemas.microsoft.com/office/drawing/2014/main" id="{636F0E12-A9EE-4302-B056-E76DDBB856C7}"/>
+                </a:ext>
+              </a:extLst>
+            </p:cNvPr>
+            <p:cNvSpPr/>
+            <p:nvPr/>
+          </p:nvSpPr>
+          <p:spPr>
+            <a:xfrm>
+              <a:off x="8860115" y="2714711"/>
+              <a:ext cx="2387314" cy="481070"/>
+            </a:xfrm>
+            <a:prstGeom prst="rect">
+              <a:avLst/>
+            </a:prstGeom>
+          </p:spPr>
+          <p:txBody>
+            <a:bodyPr wrap="square">
+              <a:spAutoFit/>
+            </a:bodyPr>
+            <a:lstStyle/>
+            <a:p>
+              <a:pPr lvl="0" algn="ctr">
+                <a:defRPr/>
+              </a:pPr>
+              <a:r>
+                <a:rPr lang="pt-BR" sz="1400" dirty="0">
+                  <a:solidFill>
+                    <a:prstClr val="white"/>
+                  </a:solidFill>
+                </a:rPr>
+                <a:t>Lista dos Produtos escolhidos pelos usuário.</a:t>
+              </a:r>
+              <a:endParaRPr lang="pt-BR" sz="1100" dirty="0">
+                <a:solidFill>
+                  <a:prstClr val="white"/>
+                </a:solidFill>
+              </a:endParaRPr>
+            </a:p>
+          </p:txBody>
+        </p:sp>
+      </p:grpSp>
+      <p:sp>
+        <p:nvSpPr>
+          <p:cNvPr id="67" name="Retângulo 20">
+            <a:extLst>
+              <a:ext uri="{FF2B5EF4-FFF2-40B4-BE49-F238E27FC236}">
+                <a16:creationId xmlns:a16="http://schemas.microsoft.com/office/drawing/2014/main" id="{35A77AF3-D3AB-45FC-B2CC-F6274599885E}"/>
+              </a:ext>
+            </a:extLst>
+          </p:cNvPr>
+          <p:cNvSpPr/>
+          <p:nvPr/>
+        </p:nvSpPr>
+        <p:spPr>
+          <a:xfrm>
+            <a:off x="2317177" y="776419"/>
+            <a:ext cx="1668097" cy="400110"/>
+          </a:xfrm>
+          <a:prstGeom prst="rect">
+            <a:avLst/>
+          </a:prstGeom>
+        </p:spPr>
+        <p:txBody>
+          <a:bodyPr wrap="square">
+            <a:spAutoFit/>
+          </a:bodyPr>
+          <a:lstStyle/>
+          <a:p>
+            <a:pPr lvl="0">
+              <a:defRPr/>
+            </a:pPr>
+            <a:r>
+              <a:rPr lang="pt-BR" sz="2000" b="1" dirty="0"/>
+              <a:t>Micro </a:t>
+            </a:r>
+            <a:r>
+              <a:rPr lang="pt-BR" sz="2000" b="1" dirty="0" err="1"/>
+              <a:t>service</a:t>
+            </a:r>
+            <a:endParaRPr lang="pt-BR" sz="1600" dirty="0"/>
+          </a:p>
+        </p:txBody>
+      </p:sp>
+      <p:grpSp>
+        <p:nvGrpSpPr>
+          <p:cNvPr id="72" name="Group 38">
+            <a:extLst>
+              <a:ext uri="{FF2B5EF4-FFF2-40B4-BE49-F238E27FC236}">
+                <a16:creationId xmlns:a16="http://schemas.microsoft.com/office/drawing/2014/main" id="{1393D50F-EF00-4AD4-9164-C5123C739C9C}"/>
+              </a:ext>
+            </a:extLst>
+          </p:cNvPr>
+          <p:cNvGrpSpPr/>
+          <p:nvPr/>
+        </p:nvGrpSpPr>
+        <p:grpSpPr>
+          <a:xfrm>
+            <a:off x="3373552" y="4066410"/>
+            <a:ext cx="2327112" cy="1922334"/>
+            <a:chOff x="8788108" y="1515280"/>
+            <a:chExt cx="2566458" cy="2016224"/>
+          </a:xfrm>
+        </p:grpSpPr>
+        <p:sp>
+          <p:nvSpPr>
+            <p:cNvPr id="73" name="Retângulo 72">
+              <a:extLst>
+                <a:ext uri="{FF2B5EF4-FFF2-40B4-BE49-F238E27FC236}">
+                  <a16:creationId xmlns:a16="http://schemas.microsoft.com/office/drawing/2014/main" id="{B29DD1DC-3498-4727-8B41-6DD93563F3B1}"/>
+                </a:ext>
+              </a:extLst>
+            </p:cNvPr>
+            <p:cNvSpPr/>
+            <p:nvPr/>
+          </p:nvSpPr>
+          <p:spPr>
+            <a:xfrm>
+              <a:off x="8828736" y="1515280"/>
+              <a:ext cx="2376266" cy="2016224"/>
+            </a:xfrm>
+            <a:prstGeom prst="rect">
+              <a:avLst/>
+            </a:prstGeom>
+            <a:ln/>
+          </p:spPr>
+          <p:style>
+            <a:lnRef idx="2">
+              <a:schemeClr val="accent5">
+                <a:shade val="50000"/>
+              </a:schemeClr>
+            </a:lnRef>
+            <a:fillRef idx="1">
+              <a:schemeClr val="accent5"/>
+            </a:fillRef>
+            <a:effectRef idx="0">
+              <a:schemeClr val="accent5"/>
+            </a:effectRef>
+            <a:fontRef idx="minor">
+              <a:schemeClr val="lt1"/>
+            </a:fontRef>
+          </p:style>
+          <p:txBody>
+            <a:bodyPr rtlCol="0" anchor="ctr"/>
+            <a:lstStyle/>
+            <a:p>
+              <a:pPr algn="ctr"/>
+              <a:endParaRPr lang="pt-BR" sz="1600">
+                <a:solidFill>
+                  <a:prstClr val="white"/>
+                </a:solidFill>
+                <a:latin typeface="Calibri"/>
+              </a:endParaRPr>
+            </a:p>
+          </p:txBody>
+        </p:sp>
+        <p:sp>
+          <p:nvSpPr>
+            <p:cNvPr id="74" name="Retângulo 73">
+              <a:extLst>
+                <a:ext uri="{FF2B5EF4-FFF2-40B4-BE49-F238E27FC236}">
+                  <a16:creationId xmlns:a16="http://schemas.microsoft.com/office/drawing/2014/main" id="{0067373F-C09D-46C2-A917-DE6A7CD7778F}"/>
+                </a:ext>
+              </a:extLst>
+            </p:cNvPr>
+            <p:cNvSpPr/>
+            <p:nvPr/>
+          </p:nvSpPr>
+          <p:spPr>
+            <a:xfrm>
+              <a:off x="8788108" y="1583056"/>
+              <a:ext cx="2566458" cy="735754"/>
+            </a:xfrm>
+            <a:prstGeom prst="rect">
+              <a:avLst/>
+            </a:prstGeom>
+          </p:spPr>
+          <p:txBody>
+            <a:bodyPr wrap="square">
+              <a:spAutoFit/>
+            </a:bodyPr>
+            <a:lstStyle/>
+            <a:p>
+              <a:pPr lvl="0" algn="ctr">
+                <a:defRPr/>
+              </a:pPr>
+              <a:r>
+                <a:rPr lang="pt-BR" sz="1800" b="1" dirty="0" err="1">
+                  <a:solidFill>
+                    <a:prstClr val="white"/>
+                  </a:solidFill>
+                </a:rPr>
+                <a:t>PetShop</a:t>
+              </a:r>
+              <a:r>
+                <a:rPr lang="pt-BR" sz="1800" b="1" dirty="0">
+                  <a:solidFill>
+                    <a:prstClr val="white"/>
+                  </a:solidFill>
+                </a:rPr>
+                <a:t> </a:t>
+              </a:r>
+              <a:r>
+                <a:rPr lang="pt-BR" sz="1800" b="1" dirty="0" err="1">
+                  <a:solidFill>
+                    <a:prstClr val="white"/>
+                  </a:solidFill>
+                </a:rPr>
+                <a:t>Controller</a:t>
+              </a:r>
+              <a:endParaRPr lang="pt-BR" sz="1800" b="1" dirty="0">
+                <a:solidFill>
+                  <a:prstClr val="white"/>
+                </a:solidFill>
+              </a:endParaRPr>
+            </a:p>
+            <a:p>
+              <a:pPr lvl="0" algn="ctr">
+                <a:defRPr/>
+              </a:pPr>
+              <a:r>
+                <a:rPr lang="pt-BR" sz="1400" dirty="0">
+                  <a:solidFill>
+                    <a:prstClr val="white"/>
+                  </a:solidFill>
+                </a:rPr>
+                <a:t>[</a:t>
+              </a:r>
+              <a:r>
+                <a:rPr lang="pt-BR" sz="1400" dirty="0" err="1">
+                  <a:solidFill>
+                    <a:prstClr val="white"/>
+                  </a:solidFill>
+                </a:rPr>
+                <a:t>Component</a:t>
+              </a:r>
+              <a:r>
+                <a:rPr lang="pt-BR" sz="1400" dirty="0">
+                  <a:solidFill>
+                    <a:prstClr val="white"/>
+                  </a:solidFill>
+                </a:rPr>
+                <a:t>: Spring MVC </a:t>
+              </a:r>
+              <a:r>
+                <a:rPr lang="pt-BR" sz="1400" dirty="0" err="1">
+                  <a:solidFill>
+                    <a:prstClr val="white"/>
+                  </a:solidFill>
+                </a:rPr>
+                <a:t>Rest</a:t>
+              </a:r>
+              <a:r>
+                <a:rPr lang="pt-BR" sz="1400" dirty="0">
+                  <a:solidFill>
+                    <a:prstClr val="white"/>
+                  </a:solidFill>
+                </a:rPr>
+                <a:t> </a:t>
+              </a:r>
+              <a:r>
+                <a:rPr lang="pt-BR" sz="1400" dirty="0" err="1">
+                  <a:solidFill>
+                    <a:prstClr val="white"/>
+                  </a:solidFill>
+                </a:rPr>
+                <a:t>Controller</a:t>
+              </a:r>
+              <a:r>
+                <a:rPr lang="pt-BR" sz="1400" dirty="0">
+                  <a:solidFill>
+                    <a:prstClr val="white"/>
+                  </a:solidFill>
+                </a:rPr>
+                <a:t>]</a:t>
+              </a:r>
+            </a:p>
+          </p:txBody>
+        </p:sp>
+        <p:sp>
+          <p:nvSpPr>
+            <p:cNvPr id="75" name="Retângulo 20">
+              <a:extLst>
+                <a:ext uri="{FF2B5EF4-FFF2-40B4-BE49-F238E27FC236}">
+                  <a16:creationId xmlns:a16="http://schemas.microsoft.com/office/drawing/2014/main" id="{BC290DF5-B173-4946-A181-FF667A5B4B5D}"/>
+                </a:ext>
+              </a:extLst>
+            </p:cNvPr>
+            <p:cNvSpPr/>
+            <p:nvPr/>
+          </p:nvSpPr>
+          <p:spPr>
+            <a:xfrm>
+              <a:off x="8860115" y="2714711"/>
+              <a:ext cx="2387314" cy="481070"/>
+            </a:xfrm>
+            <a:prstGeom prst="rect">
+              <a:avLst/>
+            </a:prstGeom>
+          </p:spPr>
+          <p:txBody>
+            <a:bodyPr wrap="square">
+              <a:spAutoFit/>
+            </a:bodyPr>
+            <a:lstStyle/>
+            <a:p>
+              <a:pPr lvl="0" algn="ctr">
+                <a:defRPr/>
+              </a:pPr>
+              <a:r>
+                <a:rPr lang="pt-BR" sz="1400" dirty="0">
+                  <a:solidFill>
+                    <a:prstClr val="white"/>
+                  </a:solidFill>
+                </a:rPr>
+                <a:t>Realiza o CRUD de Petshop.</a:t>
+              </a:r>
+              <a:endParaRPr lang="pt-BR" sz="1100" dirty="0">
+                <a:solidFill>
+                  <a:prstClr val="white"/>
+                </a:solidFill>
+              </a:endParaRPr>
+            </a:p>
+          </p:txBody>
+        </p:sp>
+      </p:grpSp>
+      <p:grpSp>
+        <p:nvGrpSpPr>
+          <p:cNvPr id="81" name="Group 38">
+            <a:extLst>
+              <a:ext uri="{FF2B5EF4-FFF2-40B4-BE49-F238E27FC236}">
+                <a16:creationId xmlns:a16="http://schemas.microsoft.com/office/drawing/2014/main" id="{F63F86DE-5CFA-49DD-9E05-4137C6F046BD}"/>
+              </a:ext>
+            </a:extLst>
+          </p:cNvPr>
+          <p:cNvGrpSpPr/>
+          <p:nvPr/>
+        </p:nvGrpSpPr>
+        <p:grpSpPr>
+          <a:xfrm>
+            <a:off x="663941" y="2590928"/>
+            <a:ext cx="2294739" cy="1818248"/>
+            <a:chOff x="8788108" y="1515280"/>
+            <a:chExt cx="2566458" cy="2016224"/>
+          </a:xfrm>
+        </p:grpSpPr>
+        <p:sp>
+          <p:nvSpPr>
+            <p:cNvPr id="82" name="Retângulo 81">
+              <a:extLst>
+                <a:ext uri="{FF2B5EF4-FFF2-40B4-BE49-F238E27FC236}">
+                  <a16:creationId xmlns:a16="http://schemas.microsoft.com/office/drawing/2014/main" id="{4A89D280-32F9-426D-9CFA-9CE30A73D78A}"/>
+                </a:ext>
+              </a:extLst>
+            </p:cNvPr>
+            <p:cNvSpPr/>
+            <p:nvPr/>
+          </p:nvSpPr>
+          <p:spPr>
+            <a:xfrm>
+              <a:off x="8828736" y="1515280"/>
+              <a:ext cx="2376266" cy="2016224"/>
+            </a:xfrm>
+            <a:prstGeom prst="rect">
+              <a:avLst/>
+            </a:prstGeom>
+            <a:ln/>
+          </p:spPr>
+          <p:style>
+            <a:lnRef idx="2">
+              <a:schemeClr val="accent5">
+                <a:shade val="50000"/>
+              </a:schemeClr>
+            </a:lnRef>
+            <a:fillRef idx="1">
+              <a:schemeClr val="accent5"/>
+            </a:fillRef>
+            <a:effectRef idx="0">
+              <a:schemeClr val="accent5"/>
+            </a:effectRef>
+            <a:fontRef idx="minor">
+              <a:schemeClr val="lt1"/>
+            </a:fontRef>
+          </p:style>
+          <p:txBody>
+            <a:bodyPr rtlCol="0" anchor="ctr"/>
+            <a:lstStyle/>
+            <a:p>
+              <a:pPr algn="ctr"/>
+              <a:endParaRPr lang="pt-BR" sz="1600">
+                <a:solidFill>
+                  <a:prstClr val="white"/>
+                </a:solidFill>
+                <a:latin typeface="Calibri"/>
+              </a:endParaRPr>
+            </a:p>
+          </p:txBody>
+        </p:sp>
+        <p:sp>
+          <p:nvSpPr>
+            <p:cNvPr id="84" name="Retângulo 83">
+              <a:extLst>
+                <a:ext uri="{FF2B5EF4-FFF2-40B4-BE49-F238E27FC236}">
+                  <a16:creationId xmlns:a16="http://schemas.microsoft.com/office/drawing/2014/main" id="{B20F7708-014C-4544-94C7-3305EDC0DC6E}"/>
+                </a:ext>
+              </a:extLst>
+            </p:cNvPr>
+            <p:cNvSpPr/>
+            <p:nvPr/>
+          </p:nvSpPr>
+          <p:spPr>
+            <a:xfrm>
+              <a:off x="8788108" y="1583056"/>
+              <a:ext cx="2566458" cy="887349"/>
+            </a:xfrm>
+            <a:prstGeom prst="rect">
+              <a:avLst/>
+            </a:prstGeom>
+          </p:spPr>
+          <p:txBody>
+            <a:bodyPr wrap="square">
+              <a:spAutoFit/>
+            </a:bodyPr>
+            <a:lstStyle/>
+            <a:p>
+              <a:pPr lvl="0" algn="ctr">
+                <a:defRPr/>
+              </a:pPr>
+              <a:r>
+                <a:rPr lang="pt-BR" sz="1800" b="1" dirty="0">
+                  <a:solidFill>
+                    <a:prstClr val="white"/>
+                  </a:solidFill>
+                </a:rPr>
+                <a:t>Produto </a:t>
+              </a:r>
+              <a:r>
+                <a:rPr lang="pt-BR" sz="1800" b="1" dirty="0" err="1">
+                  <a:solidFill>
+                    <a:prstClr val="white"/>
+                  </a:solidFill>
+                </a:rPr>
+                <a:t>Controller</a:t>
+              </a:r>
+              <a:endParaRPr lang="pt-BR" sz="1800" b="1" dirty="0">
+                <a:solidFill>
+                  <a:prstClr val="white"/>
+                </a:solidFill>
+              </a:endParaRPr>
+            </a:p>
+            <a:p>
+              <a:pPr lvl="0" algn="ctr">
+                <a:defRPr/>
+              </a:pPr>
+              <a:r>
+                <a:rPr lang="pt-BR" sz="1400" dirty="0">
+                  <a:solidFill>
+                    <a:prstClr val="white"/>
+                  </a:solidFill>
+                </a:rPr>
+                <a:t>[</a:t>
+              </a:r>
+              <a:r>
+                <a:rPr lang="pt-BR" sz="1400" dirty="0" err="1">
+                  <a:solidFill>
+                    <a:prstClr val="white"/>
+                  </a:solidFill>
+                </a:rPr>
+                <a:t>Component</a:t>
+              </a:r>
+              <a:r>
+                <a:rPr lang="pt-BR" sz="1400" dirty="0">
+                  <a:solidFill>
+                    <a:prstClr val="white"/>
+                  </a:solidFill>
+                </a:rPr>
+                <a:t>: Spring MVC </a:t>
+              </a:r>
+              <a:r>
+                <a:rPr lang="pt-BR" sz="1400" dirty="0" err="1">
+                  <a:solidFill>
+                    <a:prstClr val="white"/>
+                  </a:solidFill>
+                </a:rPr>
+                <a:t>Rest</a:t>
+              </a:r>
+              <a:r>
+                <a:rPr lang="pt-BR" sz="1400" dirty="0">
+                  <a:solidFill>
+                    <a:prstClr val="white"/>
+                  </a:solidFill>
+                </a:rPr>
+                <a:t> </a:t>
+              </a:r>
+              <a:r>
+                <a:rPr lang="pt-BR" sz="1400" dirty="0" err="1">
+                  <a:solidFill>
+                    <a:prstClr val="white"/>
+                  </a:solidFill>
+                </a:rPr>
+                <a:t>Controller</a:t>
+              </a:r>
+              <a:r>
+                <a:rPr lang="pt-BR" sz="1400" dirty="0">
+                  <a:solidFill>
+                    <a:prstClr val="white"/>
+                  </a:solidFill>
+                </a:rPr>
+                <a:t>]</a:t>
+              </a:r>
+            </a:p>
+          </p:txBody>
+        </p:sp>
+        <p:sp>
+          <p:nvSpPr>
+            <p:cNvPr id="85" name="Retângulo 20">
+              <a:extLst>
+                <a:ext uri="{FF2B5EF4-FFF2-40B4-BE49-F238E27FC236}">
+                  <a16:creationId xmlns:a16="http://schemas.microsoft.com/office/drawing/2014/main" id="{86375CF8-FC2C-4534-B426-AED06AA0367E}"/>
+                </a:ext>
+              </a:extLst>
+            </p:cNvPr>
+            <p:cNvSpPr/>
+            <p:nvPr/>
+          </p:nvSpPr>
+          <p:spPr>
+            <a:xfrm>
+              <a:off x="8860115" y="2714711"/>
+              <a:ext cx="2387314" cy="481070"/>
+            </a:xfrm>
+            <a:prstGeom prst="rect">
+              <a:avLst/>
+            </a:prstGeom>
+          </p:spPr>
+          <p:txBody>
+            <a:bodyPr wrap="square">
+              <a:spAutoFit/>
+            </a:bodyPr>
+            <a:lstStyle/>
+            <a:p>
+              <a:pPr lvl="0" algn="ctr">
+                <a:defRPr/>
+              </a:pPr>
+              <a:r>
+                <a:rPr lang="pt-BR" sz="1400" dirty="0">
+                  <a:solidFill>
+                    <a:prstClr val="white"/>
+                  </a:solidFill>
+                </a:rPr>
+                <a:t>Lista dos Produtos escolhidos pelos usuário.</a:t>
+              </a:r>
+              <a:endParaRPr lang="pt-BR" sz="1100" dirty="0">
+                <a:solidFill>
+                  <a:prstClr val="white"/>
+                </a:solidFill>
+              </a:endParaRPr>
+            </a:p>
+          </p:txBody>
+        </p:sp>
+      </p:grpSp>
+      <p:grpSp>
+        <p:nvGrpSpPr>
+          <p:cNvPr id="86" name="Group 38">
+            <a:extLst>
+              <a:ext uri="{FF2B5EF4-FFF2-40B4-BE49-F238E27FC236}">
+                <a16:creationId xmlns:a16="http://schemas.microsoft.com/office/drawing/2014/main" id="{2B66D4FA-F863-40D7-B8A6-C999916B2847}"/>
+              </a:ext>
+            </a:extLst>
+          </p:cNvPr>
+          <p:cNvGrpSpPr/>
+          <p:nvPr/>
+        </p:nvGrpSpPr>
+        <p:grpSpPr>
+          <a:xfrm>
+            <a:off x="3276595" y="1428457"/>
+            <a:ext cx="2294739" cy="1818248"/>
+            <a:chOff x="8788108" y="1515005"/>
+            <a:chExt cx="2566458" cy="2016224"/>
+          </a:xfrm>
+        </p:grpSpPr>
+        <p:sp>
+          <p:nvSpPr>
+            <p:cNvPr id="87" name="Retângulo 86">
+              <a:extLst>
+                <a:ext uri="{FF2B5EF4-FFF2-40B4-BE49-F238E27FC236}">
+                  <a16:creationId xmlns:a16="http://schemas.microsoft.com/office/drawing/2014/main" id="{1663BC11-198A-4195-B583-C218B32ADFFE}"/>
+                </a:ext>
+              </a:extLst>
+            </p:cNvPr>
+            <p:cNvSpPr/>
+            <p:nvPr/>
+          </p:nvSpPr>
+          <p:spPr>
+            <a:xfrm>
+              <a:off x="8828736" y="1515005"/>
+              <a:ext cx="2376266" cy="2016224"/>
+            </a:xfrm>
+            <a:prstGeom prst="rect">
+              <a:avLst/>
+            </a:prstGeom>
+            <a:ln/>
+          </p:spPr>
+          <p:style>
+            <a:lnRef idx="2">
+              <a:schemeClr val="accent5">
+                <a:shade val="50000"/>
+              </a:schemeClr>
+            </a:lnRef>
+            <a:fillRef idx="1">
+              <a:schemeClr val="accent5"/>
+            </a:fillRef>
+            <a:effectRef idx="0">
+              <a:schemeClr val="accent5"/>
+            </a:effectRef>
+            <a:fontRef idx="minor">
+              <a:schemeClr val="lt1"/>
+            </a:fontRef>
+          </p:style>
+          <p:txBody>
+            <a:bodyPr rtlCol="0" anchor="ctr"/>
+            <a:lstStyle/>
+            <a:p>
+              <a:pPr algn="ctr"/>
+              <a:endParaRPr lang="pt-BR" sz="1600">
+                <a:solidFill>
+                  <a:prstClr val="white"/>
+                </a:solidFill>
+                <a:latin typeface="Calibri"/>
+              </a:endParaRPr>
+            </a:p>
+          </p:txBody>
+        </p:sp>
+        <p:sp>
+          <p:nvSpPr>
+            <p:cNvPr id="88" name="Retângulo 87">
+              <a:extLst>
+                <a:ext uri="{FF2B5EF4-FFF2-40B4-BE49-F238E27FC236}">
+                  <a16:creationId xmlns:a16="http://schemas.microsoft.com/office/drawing/2014/main" id="{AD88F559-85BB-4138-A1C1-D4DB366DE9F5}"/>
+                </a:ext>
+              </a:extLst>
+            </p:cNvPr>
+            <p:cNvSpPr/>
+            <p:nvPr/>
+          </p:nvSpPr>
+          <p:spPr>
+            <a:xfrm>
+              <a:off x="8788108" y="1583056"/>
+              <a:ext cx="2566458" cy="887349"/>
+            </a:xfrm>
+            <a:prstGeom prst="rect">
+              <a:avLst/>
+            </a:prstGeom>
+          </p:spPr>
+          <p:txBody>
+            <a:bodyPr wrap="square">
+              <a:spAutoFit/>
+            </a:bodyPr>
+            <a:lstStyle/>
+            <a:p>
+              <a:pPr lvl="0" algn="ctr">
+                <a:defRPr/>
+              </a:pPr>
+              <a:r>
+                <a:rPr lang="pt-BR" sz="1800" b="1" dirty="0">
+                  <a:solidFill>
+                    <a:prstClr val="white"/>
+                  </a:solidFill>
+                </a:rPr>
+                <a:t>Usuário </a:t>
+              </a:r>
+              <a:r>
+                <a:rPr lang="pt-BR" sz="1800" b="1" dirty="0" err="1">
+                  <a:solidFill>
+                    <a:prstClr val="white"/>
+                  </a:solidFill>
+                </a:rPr>
+                <a:t>Controller</a:t>
+              </a:r>
+              <a:endParaRPr lang="pt-BR" sz="1800" b="1" dirty="0">
+                <a:solidFill>
+                  <a:prstClr val="white"/>
+                </a:solidFill>
+              </a:endParaRPr>
+            </a:p>
+            <a:p>
+              <a:pPr lvl="0" algn="ctr">
+                <a:defRPr/>
+              </a:pPr>
+              <a:r>
+                <a:rPr lang="pt-BR" sz="1400" dirty="0">
+                  <a:solidFill>
+                    <a:prstClr val="white"/>
+                  </a:solidFill>
+                </a:rPr>
+                <a:t>[</a:t>
+              </a:r>
+              <a:r>
+                <a:rPr lang="pt-BR" sz="1400" dirty="0" err="1">
+                  <a:solidFill>
+                    <a:prstClr val="white"/>
+                  </a:solidFill>
+                </a:rPr>
+                <a:t>Component</a:t>
+              </a:r>
+              <a:r>
+                <a:rPr lang="pt-BR" sz="1400" dirty="0">
+                  <a:solidFill>
+                    <a:prstClr val="white"/>
+                  </a:solidFill>
+                </a:rPr>
+                <a:t>: Spring MVC </a:t>
+              </a:r>
+              <a:r>
+                <a:rPr lang="pt-BR" sz="1400" dirty="0" err="1">
+                  <a:solidFill>
+                    <a:prstClr val="white"/>
+                  </a:solidFill>
+                </a:rPr>
+                <a:t>Rest</a:t>
+              </a:r>
+              <a:r>
+                <a:rPr lang="pt-BR" sz="1400" dirty="0">
+                  <a:solidFill>
+                    <a:prstClr val="white"/>
+                  </a:solidFill>
+                </a:rPr>
+                <a:t> </a:t>
+              </a:r>
+              <a:r>
+                <a:rPr lang="pt-BR" sz="1400" dirty="0" err="1">
+                  <a:solidFill>
+                    <a:prstClr val="white"/>
+                  </a:solidFill>
+                </a:rPr>
+                <a:t>Controller</a:t>
+              </a:r>
+              <a:r>
+                <a:rPr lang="pt-BR" sz="1400" dirty="0">
+                  <a:solidFill>
+                    <a:prstClr val="white"/>
+                  </a:solidFill>
+                </a:rPr>
+                <a:t>]</a:t>
+              </a:r>
+            </a:p>
+          </p:txBody>
+        </p:sp>
+        <p:sp>
+          <p:nvSpPr>
+            <p:cNvPr id="90" name="Retângulo 20">
+              <a:extLst>
+                <a:ext uri="{FF2B5EF4-FFF2-40B4-BE49-F238E27FC236}">
+                  <a16:creationId xmlns:a16="http://schemas.microsoft.com/office/drawing/2014/main" id="{3618B821-30FC-4934-9F07-D91206AD4FD3}"/>
+                </a:ext>
+              </a:extLst>
+            </p:cNvPr>
+            <p:cNvSpPr/>
+            <p:nvPr/>
+          </p:nvSpPr>
+          <p:spPr>
+            <a:xfrm>
+              <a:off x="8860115" y="2714711"/>
+              <a:ext cx="2387315" cy="341289"/>
+            </a:xfrm>
+            <a:prstGeom prst="rect">
+              <a:avLst/>
+            </a:prstGeom>
+          </p:spPr>
+          <p:txBody>
+            <a:bodyPr wrap="square">
+              <a:spAutoFit/>
+            </a:bodyPr>
+            <a:lstStyle/>
+            <a:p>
+              <a:pPr lvl="0" algn="ctr">
+                <a:defRPr/>
+              </a:pPr>
+              <a:r>
+                <a:rPr lang="pt-BR" sz="1400" dirty="0">
+                  <a:solidFill>
+                    <a:prstClr val="white"/>
+                  </a:solidFill>
+                </a:rPr>
+                <a:t>Realiza o CRUD de Petshop</a:t>
+              </a:r>
+              <a:endParaRPr lang="pt-BR" sz="1100" dirty="0">
+                <a:solidFill>
+                  <a:prstClr val="white"/>
+                </a:solidFill>
+              </a:endParaRPr>
+            </a:p>
+          </p:txBody>
+        </p:sp>
+      </p:grpSp>
     </p:spTree>
     <p:extLst>
       <p:ext uri="{BB962C8B-B14F-4D97-AF65-F5344CB8AC3E}">
@@ -9231,6 +10279,186 @@
                                         </p:cTn>
                                         <p:tgtEl>
                                           <p:spTgt spid="92"/>
+                                        </p:tgtEl>
+                                        <p:attrNameLst>
+                                          <p:attrName>style.visibility</p:attrName>
+                                        </p:attrNameLst>
+                                      </p:cBhvr>
+                                      <p:to>
+                                        <p:strVal val="visible"/>
+                                      </p:to>
+                                    </p:set>
+                                  </p:childTnLst>
+                                </p:cTn>
+                              </p:par>
+                            </p:childTnLst>
+                          </p:cTn>
+                        </p:par>
+                      </p:childTnLst>
+                    </p:cTn>
+                  </p:par>
+                  <p:par>
+                    <p:cTn id="33" fill="hold">
+                      <p:stCondLst>
+                        <p:cond delay="indefinite"/>
+                      </p:stCondLst>
+                      <p:childTnLst>
+                        <p:par>
+                          <p:cTn id="34" fill="hold">
+                            <p:stCondLst>
+                              <p:cond delay="0"/>
+                            </p:stCondLst>
+                            <p:childTnLst>
+                              <p:par>
+                                <p:cTn id="35" presetID="1" presetClass="entr" presetSubtype="0" fill="hold" nodeType="clickEffect">
+                                  <p:stCondLst>
+                                    <p:cond delay="0"/>
+                                  </p:stCondLst>
+                                  <p:childTnLst>
+                                    <p:set>
+                                      <p:cBhvr>
+                                        <p:cTn id="36" dur="1" fill="hold">
+                                          <p:stCondLst>
+                                            <p:cond delay="0"/>
+                                          </p:stCondLst>
+                                        </p:cTn>
+                                        <p:tgtEl>
+                                          <p:spTgt spid="50"/>
+                                        </p:tgtEl>
+                                        <p:attrNameLst>
+                                          <p:attrName>style.visibility</p:attrName>
+                                        </p:attrNameLst>
+                                      </p:cBhvr>
+                                      <p:to>
+                                        <p:strVal val="visible"/>
+                                      </p:to>
+                                    </p:set>
+                                  </p:childTnLst>
+                                </p:cTn>
+                              </p:par>
+                            </p:childTnLst>
+                          </p:cTn>
+                        </p:par>
+                      </p:childTnLst>
+                    </p:cTn>
+                  </p:par>
+                  <p:par>
+                    <p:cTn id="37" fill="hold">
+                      <p:stCondLst>
+                        <p:cond delay="indefinite"/>
+                      </p:stCondLst>
+                      <p:childTnLst>
+                        <p:par>
+                          <p:cTn id="38" fill="hold">
+                            <p:stCondLst>
+                              <p:cond delay="0"/>
+                            </p:stCondLst>
+                            <p:childTnLst>
+                              <p:par>
+                                <p:cTn id="39" presetID="1" presetClass="entr" presetSubtype="0" fill="hold" nodeType="clickEffect">
+                                  <p:stCondLst>
+                                    <p:cond delay="0"/>
+                                  </p:stCondLst>
+                                  <p:childTnLst>
+                                    <p:set>
+                                      <p:cBhvr>
+                                        <p:cTn id="40" dur="1" fill="hold">
+                                          <p:stCondLst>
+                                            <p:cond delay="0"/>
+                                          </p:stCondLst>
+                                        </p:cTn>
+                                        <p:tgtEl>
+                                          <p:spTgt spid="72"/>
+                                        </p:tgtEl>
+                                        <p:attrNameLst>
+                                          <p:attrName>style.visibility</p:attrName>
+                                        </p:attrNameLst>
+                                      </p:cBhvr>
+                                      <p:to>
+                                        <p:strVal val="visible"/>
+                                      </p:to>
+                                    </p:set>
+                                  </p:childTnLst>
+                                </p:cTn>
+                              </p:par>
+                            </p:childTnLst>
+                          </p:cTn>
+                        </p:par>
+                      </p:childTnLst>
+                    </p:cTn>
+                  </p:par>
+                  <p:par>
+                    <p:cTn id="41" fill="hold">
+                      <p:stCondLst>
+                        <p:cond delay="indefinite"/>
+                      </p:stCondLst>
+                      <p:childTnLst>
+                        <p:par>
+                          <p:cTn id="42" fill="hold">
+                            <p:stCondLst>
+                              <p:cond delay="0"/>
+                            </p:stCondLst>
+                            <p:childTnLst>
+                              <p:par>
+                                <p:cTn id="43" presetID="1" presetClass="entr" presetSubtype="0" fill="hold" nodeType="clickEffect">
+                                  <p:stCondLst>
+                                    <p:cond delay="0"/>
+                                  </p:stCondLst>
+                                  <p:childTnLst>
+                                    <p:set>
+                                      <p:cBhvr>
+                                        <p:cTn id="44" dur="1" fill="hold">
+                                          <p:stCondLst>
+                                            <p:cond delay="0"/>
+                                          </p:stCondLst>
+                                        </p:cTn>
+                                        <p:tgtEl>
+                                          <p:spTgt spid="81"/>
+                                        </p:tgtEl>
+                                        <p:attrNameLst>
+                                          <p:attrName>style.visibility</p:attrName>
+                                        </p:attrNameLst>
+                                      </p:cBhvr>
+                                      <p:to>
+                                        <p:strVal val="visible"/>
+                                      </p:to>
+                                    </p:set>
+                                  </p:childTnLst>
+                                </p:cTn>
+                              </p:par>
+                            </p:childTnLst>
+                          </p:cTn>
+                        </p:par>
+                      </p:childTnLst>
+                    </p:cTn>
+                  </p:par>
+                  <p:par>
+                    <p:cTn id="45" fill="hold">
+                      <p:stCondLst>
+                        <p:cond delay="indefinite"/>
+                      </p:stCondLst>
+                      <p:childTnLst>
+                        <p:par>
+                          <p:cTn id="46" fill="hold">
+                            <p:stCondLst>
+                              <p:cond delay="0"/>
+                            </p:stCondLst>
+                            <p:childTnLst>
+                              <p:par>
+                                <p:cTn id="47" presetID="1" presetClass="entr" presetSubtype="0" fill="hold" nodeType="clickEffect">
+                                  <p:stCondLst>
+                                    <p:cond delay="0"/>
+                                  </p:stCondLst>
+                                  <p:childTnLst>
+                                    <p:set>
+                                      <p:cBhvr>
+                                        <p:cTn id="48" dur="1" fill="hold">
+                                          <p:stCondLst>
+                                            <p:cond delay="0"/>
+                                          </p:stCondLst>
+                                        </p:cTn>
+                                        <p:tgtEl>
+                                          <p:spTgt spid="86"/>
                                         </p:tgtEl>
                                         <p:attrNameLst>
                                           <p:attrName>style.visibility</p:attrName>
@@ -10410,12 +11638,9 @@
 </file>
 
 <file path=customXml/item1.xml><?xml version="1.0" encoding="utf-8"?>
-<?mso-contentType ?>
-<FormTemplates xmlns="http://schemas.microsoft.com/sharepoint/v3/contenttype/forms">
-  <Display>DocumentLibraryForm</Display>
-  <Edit>DocumentLibraryForm</Edit>
-  <New>DocumentLibraryForm</New>
-</FormTemplates>
+<p:properties xmlns:p="http://schemas.microsoft.com/office/2006/metadata/properties" xmlns:xsi="http://www.w3.org/2001/XMLSchema-instance" xmlns:pc="http://schemas.microsoft.com/office/infopath/2007/PartnerControls">
+  <documentManagement/>
+</p:properties>
 </file>
 
 <file path=customXml/item2.xml><?xml version="1.0" encoding="utf-8"?>
@@ -10642,15 +11867,27 @@
 </file>
 
 <file path=customXml/item3.xml><?xml version="1.0" encoding="utf-8"?>
-<p:properties xmlns:p="http://schemas.microsoft.com/office/2006/metadata/properties" xmlns:xsi="http://www.w3.org/2001/XMLSchema-instance" xmlns:pc="http://schemas.microsoft.com/office/infopath/2007/PartnerControls">
-  <documentManagement/>
-</p:properties>
+<?mso-contentType ?>
+<FormTemplates xmlns="http://schemas.microsoft.com/sharepoint/v3/contenttype/forms">
+  <Display>DocumentLibraryForm</Display>
+  <Edit>DocumentLibraryForm</Edit>
+  <New>DocumentLibraryForm</New>
+</FormTemplates>
 </file>
 
 <file path=customXml/itemProps1.xml><?xml version="1.0" encoding="utf-8"?>
-<ds:datastoreItem xmlns:ds="http://schemas.openxmlformats.org/officeDocument/2006/customXml" ds:itemID="{B2402960-8EF3-4234-B7C9-25E125FD4CA5}">
+<ds:datastoreItem xmlns:ds="http://schemas.openxmlformats.org/officeDocument/2006/customXml" ds:itemID="{30D3F7B2-E865-49C4-B6C4-1C3489F322E5}">
   <ds:schemaRefs>
-    <ds:schemaRef ds:uri="http://schemas.microsoft.com/sharepoint/v3/contenttype/forms"/>
+    <ds:schemaRef ds:uri="http://purl.org/dc/elements/1.1/"/>
+    <ds:schemaRef ds:uri="http://schemas.microsoft.com/office/2006/metadata/properties"/>
+    <ds:schemaRef ds:uri="4327b14a-fe89-488e-9f6d-9658cacf372b"/>
+    <ds:schemaRef ds:uri="bbcd8c33-6940-4d4c-a587-bbc736ca1e4d"/>
+    <ds:schemaRef ds:uri="http://purl.org/dc/terms/"/>
+    <ds:schemaRef ds:uri="http://schemas.openxmlformats.org/package/2006/metadata/core-properties"/>
+    <ds:schemaRef ds:uri="http://schemas.microsoft.com/office/2006/documentManagement/types"/>
+    <ds:schemaRef ds:uri="http://schemas.microsoft.com/office/infopath/2007/PartnerControls"/>
+    <ds:schemaRef ds:uri="http://www.w3.org/XML/1998/namespace"/>
+    <ds:schemaRef ds:uri="http://purl.org/dc/dcmitype/"/>
   </ds:schemaRefs>
 </ds:datastoreItem>
 </file>
@@ -10675,18 +11912,9 @@
 </file>
 
 <file path=customXml/itemProps3.xml><?xml version="1.0" encoding="utf-8"?>
-<ds:datastoreItem xmlns:ds="http://schemas.openxmlformats.org/officeDocument/2006/customXml" ds:itemID="{30D3F7B2-E865-49C4-B6C4-1C3489F322E5}">
+<ds:datastoreItem xmlns:ds="http://schemas.openxmlformats.org/officeDocument/2006/customXml" ds:itemID="{B2402960-8EF3-4234-B7C9-25E125FD4CA5}">
   <ds:schemaRefs>
-    <ds:schemaRef ds:uri="http://purl.org/dc/elements/1.1/"/>
-    <ds:schemaRef ds:uri="http://schemas.microsoft.com/office/2006/metadata/properties"/>
-    <ds:schemaRef ds:uri="4327b14a-fe89-488e-9f6d-9658cacf372b"/>
-    <ds:schemaRef ds:uri="bbcd8c33-6940-4d4c-a587-bbc736ca1e4d"/>
-    <ds:schemaRef ds:uri="http://purl.org/dc/terms/"/>
-    <ds:schemaRef ds:uri="http://schemas.openxmlformats.org/package/2006/metadata/core-properties"/>
-    <ds:schemaRef ds:uri="http://schemas.microsoft.com/office/2006/documentManagement/types"/>
-    <ds:schemaRef ds:uri="http://schemas.microsoft.com/office/infopath/2007/PartnerControls"/>
-    <ds:schemaRef ds:uri="http://www.w3.org/XML/1998/namespace"/>
-    <ds:schemaRef ds:uri="http://purl.org/dc/dcmitype/"/>
+    <ds:schemaRef ds:uri="http://schemas.microsoft.com/sharepoint/v3/contenttype/forms"/>
   </ds:schemaRefs>
 </ds:datastoreItem>
 </file>
--- a/Documentos/Diagrama de Solucao de Software.pptx
+++ b/Documentos/Diagrama de Solucao de Software.pptx
@@ -7790,7 +7790,7 @@
         </p:nvSpPr>
         <p:spPr>
           <a:xfrm>
-            <a:off x="12645557" y="7237015"/>
+            <a:off x="10247370" y="7113718"/>
             <a:ext cx="628646" cy="214290"/>
           </a:xfrm>
         </p:spPr>
@@ -8331,15 +8331,7 @@
               </a:pPr>
               <a:r>
                 <a:rPr lang="pt-BR" sz="1600" dirty="0"/>
-                <a:t>Fornece a Forma de pagamentos via conta do Mercado livre, como cartões, boleto e </a:t>
-              </a:r>
-              <a:r>
-                <a:rPr lang="pt-BR" sz="1600" dirty="0" err="1"/>
-                <a:t>Pix</a:t>
-              </a:r>
-              <a:r>
-                <a:rPr lang="pt-BR" sz="1600" dirty="0"/>
-                <a:t>.</a:t>
+                <a:t>Fornece a Forma de pagamentos via conta do Mercado livre, como cartões, boleto e Pix.</a:t>
               </a:r>
               <a:endParaRPr lang="pt-BR" sz="1200" dirty="0"/>
             </a:p>
@@ -8357,15 +8349,15 @@
           </p:cNvPr>
           <p:cNvCxnSpPr>
             <a:cxnSpLocks/>
-            <a:stCxn id="69" idx="0"/>
+            <a:stCxn id="31" idx="3"/>
             <a:endCxn id="6" idx="3"/>
           </p:cNvCxnSpPr>
           <p:nvPr/>
         </p:nvCxnSpPr>
         <p:spPr>
-          <a:xfrm flipH="1" flipV="1">
-            <a:off x="8088160" y="2545498"/>
-            <a:ext cx="81338" cy="2260145"/>
+          <a:xfrm flipV="1">
+            <a:off x="5900669" y="2545498"/>
+            <a:ext cx="2187491" cy="1676929"/>
           </a:xfrm>
           <a:prstGeom prst="straightConnector1">
             <a:avLst/>
@@ -8410,7 +8402,7 @@
         </p:nvSpPr>
         <p:spPr>
           <a:xfrm>
-            <a:off x="10632677" y="5362496"/>
+            <a:off x="8234490" y="5239199"/>
             <a:ext cx="2377290" cy="2016223"/>
           </a:xfrm>
           <a:prstGeom prst="rect">
@@ -8472,7 +8464,7 @@
         </p:nvSpPr>
         <p:spPr>
           <a:xfrm>
-            <a:off x="10521389" y="5509318"/>
+            <a:off x="8123202" y="5386021"/>
             <a:ext cx="2566458" cy="646331"/>
           </a:xfrm>
           <a:prstGeom prst="rect">
@@ -8518,7 +8510,7 @@
         </p:nvSpPr>
         <p:spPr>
           <a:xfrm>
-            <a:off x="10534092" y="6331690"/>
+            <a:off x="8135905" y="6208393"/>
             <a:ext cx="2566458" cy="830997"/>
           </a:xfrm>
           <a:prstGeom prst="rect">
@@ -8542,201 +8534,6 @@
           </a:p>
         </p:txBody>
       </p:sp>
-      <p:grpSp>
-        <p:nvGrpSpPr>
-          <p:cNvPr id="68" name="Group 79">
-            <a:extLst>
-              <a:ext uri="{FF2B5EF4-FFF2-40B4-BE49-F238E27FC236}">
-                <a16:creationId xmlns:a16="http://schemas.microsoft.com/office/drawing/2014/main" id="{DD0593E5-1D74-4029-BE9D-D0452CF2E3DB}"/>
-              </a:ext>
-            </a:extLst>
-          </p:cNvPr>
-          <p:cNvGrpSpPr/>
-          <p:nvPr/>
-        </p:nvGrpSpPr>
-        <p:grpSpPr>
-          <a:xfrm>
-            <a:off x="6486517" y="4805643"/>
-            <a:ext cx="3254688" cy="2078930"/>
-            <a:chOff x="8232841" y="1586976"/>
-            <a:chExt cx="2806422" cy="2016224"/>
-          </a:xfrm>
-        </p:grpSpPr>
-        <p:sp>
-          <p:nvSpPr>
-            <p:cNvPr id="69" name="Retângulo 68">
-              <a:extLst>
-                <a:ext uri="{FF2B5EF4-FFF2-40B4-BE49-F238E27FC236}">
-                  <a16:creationId xmlns:a16="http://schemas.microsoft.com/office/drawing/2014/main" id="{795766F3-8475-4B23-B328-FD53E82B97B8}"/>
-                </a:ext>
-              </a:extLst>
-            </p:cNvPr>
-            <p:cNvSpPr/>
-            <p:nvPr/>
-          </p:nvSpPr>
-          <p:spPr>
-            <a:xfrm>
-              <a:off x="8328789" y="1586976"/>
-              <a:ext cx="2710474" cy="2016224"/>
-            </a:xfrm>
-            <a:prstGeom prst="rect">
-              <a:avLst/>
-            </a:prstGeom>
-            <a:solidFill>
-              <a:srgbClr val="32B9CD"/>
-            </a:solidFill>
-            <a:ln>
-              <a:solidFill>
-                <a:schemeClr val="accent5">
-                  <a:lumMod val="75000"/>
-                </a:schemeClr>
-              </a:solidFill>
-            </a:ln>
-          </p:spPr>
-          <p:style>
-            <a:lnRef idx="2">
-              <a:schemeClr val="accent1">
-                <a:shade val="50000"/>
-              </a:schemeClr>
-            </a:lnRef>
-            <a:fillRef idx="1">
-              <a:schemeClr val="accent1"/>
-            </a:fillRef>
-            <a:effectRef idx="0">
-              <a:schemeClr val="accent1"/>
-            </a:effectRef>
-            <a:fontRef idx="minor">
-              <a:schemeClr val="lt1"/>
-            </a:fontRef>
-          </p:style>
-          <p:txBody>
-            <a:bodyPr rtlCol="0" anchor="ctr"/>
-            <a:lstStyle/>
-            <a:p>
-              <a:pPr algn="ctr"/>
-              <a:endParaRPr lang="pt-BR" dirty="0">
-                <a:solidFill>
-                  <a:prstClr val="white"/>
-                </a:solidFill>
-                <a:latin typeface="Calibri"/>
-              </a:endParaRPr>
-            </a:p>
-          </p:txBody>
-        </p:sp>
-        <p:sp>
-          <p:nvSpPr>
-            <p:cNvPr id="70" name="Retângulo 69">
-              <a:extLst>
-                <a:ext uri="{FF2B5EF4-FFF2-40B4-BE49-F238E27FC236}">
-                  <a16:creationId xmlns:a16="http://schemas.microsoft.com/office/drawing/2014/main" id="{1080EC0E-254C-4F6F-8239-DEDEA8E53948}"/>
-                </a:ext>
-              </a:extLst>
-            </p:cNvPr>
-            <p:cNvSpPr/>
-            <p:nvPr/>
-          </p:nvSpPr>
-          <p:spPr>
-            <a:xfrm>
-              <a:off x="8544813" y="2435415"/>
-              <a:ext cx="2278425" cy="1044726"/>
-            </a:xfrm>
-            <a:prstGeom prst="rect">
-              <a:avLst/>
-            </a:prstGeom>
-          </p:spPr>
-          <p:txBody>
-            <a:bodyPr wrap="square">
-              <a:spAutoFit/>
-            </a:bodyPr>
-            <a:lstStyle/>
-            <a:p>
-              <a:pPr lvl="0" algn="ctr">
-                <a:defRPr/>
-              </a:pPr>
-              <a:r>
-                <a:rPr lang="pt-BR" sz="1600" b="1" dirty="0">
-                  <a:solidFill>
-                    <a:prstClr val="white"/>
-                  </a:solidFill>
-                </a:rPr>
-                <a:t>Realiza os CRUDS </a:t>
-              </a:r>
-            </a:p>
-            <a:p>
-              <a:pPr lvl="0" algn="ctr">
-                <a:defRPr/>
-              </a:pPr>
-              <a:r>
-                <a:rPr lang="pt-BR" sz="1600" b="1" dirty="0">
-                  <a:solidFill>
-                    <a:prstClr val="white"/>
-                  </a:solidFill>
-                </a:rPr>
-                <a:t>Cadastro de Produtos/Serviços/Petshop/Usuário </a:t>
-              </a:r>
-              <a:endParaRPr lang="pt-BR" sz="1600" dirty="0">
-                <a:solidFill>
-                  <a:prstClr val="white"/>
-                </a:solidFill>
-              </a:endParaRPr>
-            </a:p>
-          </p:txBody>
-        </p:sp>
-        <p:sp>
-          <p:nvSpPr>
-            <p:cNvPr id="71" name="Retângulo 20">
-              <a:extLst>
-                <a:ext uri="{FF2B5EF4-FFF2-40B4-BE49-F238E27FC236}">
-                  <a16:creationId xmlns:a16="http://schemas.microsoft.com/office/drawing/2014/main" id="{094CE17B-B493-4D82-B897-A9240CBF74BD}"/>
-                </a:ext>
-              </a:extLst>
-            </p:cNvPr>
-            <p:cNvSpPr/>
-            <p:nvPr/>
-          </p:nvSpPr>
-          <p:spPr>
-            <a:xfrm>
-              <a:off x="8232841" y="1626269"/>
-              <a:ext cx="2710474" cy="646331"/>
-            </a:xfrm>
-            <a:prstGeom prst="rect">
-              <a:avLst/>
-            </a:prstGeom>
-          </p:spPr>
-          <p:txBody>
-            <a:bodyPr wrap="square">
-              <a:spAutoFit/>
-            </a:bodyPr>
-            <a:lstStyle/>
-            <a:p>
-              <a:pPr lvl="0" algn="ctr">
-                <a:defRPr/>
-              </a:pPr>
-              <a:r>
-                <a:rPr lang="pt-BR" sz="2000" b="1" dirty="0">
-                  <a:solidFill>
-                    <a:prstClr val="white"/>
-                  </a:solidFill>
-                </a:rPr>
-                <a:t>Microservice</a:t>
-              </a:r>
-            </a:p>
-            <a:p>
-              <a:pPr lvl="0" algn="ctr">
-                <a:defRPr/>
-              </a:pPr>
-              <a:r>
-                <a:rPr lang="pt-BR" sz="1600" dirty="0">
-                  <a:solidFill>
-                    <a:prstClr val="white"/>
-                  </a:solidFill>
-                </a:rPr>
-                <a:t>[Container: SpringBoot]</a:t>
-              </a:r>
-            </a:p>
-          </p:txBody>
-        </p:sp>
-      </p:grpSp>
       <p:cxnSp>
         <p:nvCxnSpPr>
           <p:cNvPr id="83" name="Conector: Angulado 60">
@@ -8749,14 +8546,13 @@
           <p:cNvCxnSpPr>
             <a:cxnSpLocks/>
             <a:stCxn id="7" idx="1"/>
-            <a:endCxn id="69" idx="3"/>
           </p:cNvCxnSpPr>
           <p:nvPr/>
         </p:nvCxnSpPr>
         <p:spPr>
           <a:xfrm rot="10800000" flipV="1">
-            <a:off x="9741205" y="3575130"/>
-            <a:ext cx="713064" cy="2269978"/>
+            <a:off x="5858175" y="3575129"/>
+            <a:ext cx="4596094" cy="1452447"/>
           </a:xfrm>
           <a:prstGeom prst="bentConnector3">
             <a:avLst>
@@ -8853,14 +8649,15 @@
           </p:cNvPr>
           <p:cNvCxnSpPr>
             <a:cxnSpLocks/>
+            <a:stCxn id="7" idx="2"/>
             <a:endCxn id="59" idx="0"/>
           </p:cNvCxnSpPr>
           <p:nvPr/>
         </p:nvCxnSpPr>
         <p:spPr>
           <a:xfrm rot="5400000">
-            <a:off x="11537144" y="4977378"/>
-            <a:ext cx="669297" cy="100939"/>
+            <a:off x="10399696" y="3716638"/>
+            <a:ext cx="546000" cy="2499122"/>
           </a:xfrm>
           <a:prstGeom prst="bentConnector3">
             <a:avLst>
@@ -9059,21 +8856,8 @@
                     <a:prstClr val="white"/>
                   </a:solidFill>
                 </a:rPr>
-                <a:t>Pedido </a:t>
+                <a:t>Pedido Controller</a:t>
               </a:r>
-              <a:r>
-                <a:rPr lang="pt-BR" sz="1800" b="1" dirty="0" err="1">
-                  <a:solidFill>
-                    <a:prstClr val="white"/>
-                  </a:solidFill>
-                </a:rPr>
-                <a:t>Controller</a:t>
-              </a:r>
-              <a:endParaRPr lang="pt-BR" sz="1800" b="1" dirty="0">
-                <a:solidFill>
-                  <a:prstClr val="white"/>
-                </a:solidFill>
-              </a:endParaRPr>
             </a:p>
             <a:p>
               <a:pPr lvl="0" algn="ctr">
@@ -9085,55 +8869,7 @@
                     <a:prstClr val="white"/>
                   </a:solidFill>
                 </a:rPr>
-                <a:t>[</a:t>
-              </a:r>
-              <a:r>
-                <a:rPr lang="pt-BR" sz="1400" dirty="0" err="1">
-                  <a:solidFill>
-                    <a:prstClr val="white"/>
-                  </a:solidFill>
-                </a:rPr>
-                <a:t>Component</a:t>
-              </a:r>
-              <a:r>
-                <a:rPr lang="pt-BR" sz="1400" dirty="0">
-                  <a:solidFill>
-                    <a:prstClr val="white"/>
-                  </a:solidFill>
-                </a:rPr>
-                <a:t>: Spring MVC </a:t>
-              </a:r>
-              <a:r>
-                <a:rPr lang="pt-BR" sz="1400" dirty="0" err="1">
-                  <a:solidFill>
-                    <a:prstClr val="white"/>
-                  </a:solidFill>
-                </a:rPr>
-                <a:t>Rest</a:t>
-              </a:r>
-              <a:r>
-                <a:rPr lang="pt-BR" sz="1400" dirty="0">
-                  <a:solidFill>
-                    <a:prstClr val="white"/>
-                  </a:solidFill>
-                </a:rPr>
-                <a:t> </a:t>
-              </a:r>
-              <a:r>
-                <a:rPr lang="pt-BR" sz="1400" dirty="0" err="1">
-                  <a:solidFill>
-                    <a:prstClr val="white"/>
-                  </a:solidFill>
-                </a:rPr>
-                <a:t>Controller</a:t>
-              </a:r>
-              <a:r>
-                <a:rPr lang="pt-BR" sz="1400" dirty="0">
-                  <a:solidFill>
-                    <a:prstClr val="white"/>
-                  </a:solidFill>
-                </a:rPr>
-                <a:t>]</a:t>
+                <a:t>[Component: Spring MVC Rest Controller]</a:t>
               </a:r>
             </a:p>
           </p:txBody>
@@ -9199,8 +8935,8 @@
         </p:nvSpPr>
         <p:spPr>
           <a:xfrm>
-            <a:off x="2317177" y="776419"/>
-            <a:ext cx="1668097" cy="400110"/>
+            <a:off x="1820222" y="343717"/>
+            <a:ext cx="2710474" cy="830997"/>
           </a:xfrm>
           <a:prstGeom prst="rect">
             <a:avLst/>
@@ -9212,18 +8948,30 @@
           </a:bodyPr>
           <a:lstStyle/>
           <a:p>
-            <a:pPr lvl="0">
+            <a:pPr lvl="0" algn="ctr">
               <a:defRPr/>
             </a:pPr>
             <a:r>
-              <a:rPr lang="pt-BR" sz="2000" b="1" dirty="0"/>
-              <a:t>Micro </a:t>
+              <a:rPr lang="pt-BR" sz="2800" b="1" dirty="0"/>
+              <a:t>Microservice</a:t>
+            </a:r>
+          </a:p>
+          <a:p>
+            <a:pPr lvl="0" algn="ctr">
+              <a:defRPr/>
+            </a:pPr>
+            <a:r>
+              <a:rPr lang="pt-BR" sz="2000" dirty="0"/>
+              <a:t>[Container: SpringBoot</a:t>
             </a:r>
             <a:r>
-              <a:rPr lang="pt-BR" sz="2000" b="1" dirty="0" err="1"/>
-              <a:t>service</a:t>
+              <a:rPr lang="pt-BR" sz="2000" dirty="0">
+                <a:solidFill>
+                  <a:prstClr val="white"/>
+                </a:solidFill>
+              </a:rPr>
+              <a:t>]</a:t>
             </a:r>
-            <a:endParaRPr lang="pt-BR" sz="1600" dirty="0"/>
           </a:p>
         </p:txBody>
       </p:sp>
@@ -9241,7 +8989,7 @@
         </p:nvGrpSpPr>
         <p:grpSpPr>
           <a:xfrm>
-            <a:off x="3373552" y="4066410"/>
+            <a:off x="3484111" y="4201585"/>
             <a:ext cx="2327112" cy="1922334"/>
             <a:chOff x="8788108" y="1515280"/>
             <a:chExt cx="2566458" cy="2016224"/>
@@ -9330,34 +9078,13 @@
                 <a:defRPr/>
               </a:pPr>
               <a:r>
-                <a:rPr lang="pt-BR" sz="1800" b="1" dirty="0" err="1">
-                  <a:solidFill>
-                    <a:prstClr val="white"/>
-                  </a:solidFill>
-                </a:rPr>
-                <a:t>PetShop</a:t>
-              </a:r>
-              <a:r>
                 <a:rPr lang="pt-BR" sz="1800" b="1" dirty="0">
                   <a:solidFill>
                     <a:prstClr val="white"/>
                   </a:solidFill>
                 </a:rPr>
-                <a:t> </a:t>
+                <a:t>PetShop Controller</a:t>
               </a:r>
-              <a:r>
-                <a:rPr lang="pt-BR" sz="1800" b="1" dirty="0" err="1">
-                  <a:solidFill>
-                    <a:prstClr val="white"/>
-                  </a:solidFill>
-                </a:rPr>
-                <a:t>Controller</a:t>
-              </a:r>
-              <a:endParaRPr lang="pt-BR" sz="1800" b="1" dirty="0">
-                <a:solidFill>
-                  <a:prstClr val="white"/>
-                </a:solidFill>
-              </a:endParaRPr>
             </a:p>
             <a:p>
               <a:pPr lvl="0" algn="ctr">
@@ -9369,55 +9096,7 @@
                     <a:prstClr val="white"/>
                   </a:solidFill>
                 </a:rPr>
-                <a:t>[</a:t>
-              </a:r>
-              <a:r>
-                <a:rPr lang="pt-BR" sz="1400" dirty="0" err="1">
-                  <a:solidFill>
-                    <a:prstClr val="white"/>
-                  </a:solidFill>
-                </a:rPr>
-                <a:t>Component</a:t>
-              </a:r>
-              <a:r>
-                <a:rPr lang="pt-BR" sz="1400" dirty="0">
-                  <a:solidFill>
-                    <a:prstClr val="white"/>
-                  </a:solidFill>
-                </a:rPr>
-                <a:t>: Spring MVC </a:t>
-              </a:r>
-              <a:r>
-                <a:rPr lang="pt-BR" sz="1400" dirty="0" err="1">
-                  <a:solidFill>
-                    <a:prstClr val="white"/>
-                  </a:solidFill>
-                </a:rPr>
-                <a:t>Rest</a:t>
-              </a:r>
-              <a:r>
-                <a:rPr lang="pt-BR" sz="1400" dirty="0">
-                  <a:solidFill>
-                    <a:prstClr val="white"/>
-                  </a:solidFill>
-                </a:rPr>
-                <a:t> </a:t>
-              </a:r>
-              <a:r>
-                <a:rPr lang="pt-BR" sz="1400" dirty="0" err="1">
-                  <a:solidFill>
-                    <a:prstClr val="white"/>
-                  </a:solidFill>
-                </a:rPr>
-                <a:t>Controller</a:t>
-              </a:r>
-              <a:r>
-                <a:rPr lang="pt-BR" sz="1400" dirty="0">
-                  <a:solidFill>
-                    <a:prstClr val="white"/>
-                  </a:solidFill>
-                </a:rPr>
-                <a:t>]</a:t>
+                <a:t>[Component: Spring MVC Rest Controller]</a:t>
               </a:r>
             </a:p>
           </p:txBody>
@@ -9577,21 +9256,8 @@
                     <a:prstClr val="white"/>
                   </a:solidFill>
                 </a:rPr>
-                <a:t>Produto </a:t>
+                <a:t>Produto Controller</a:t>
               </a:r>
-              <a:r>
-                <a:rPr lang="pt-BR" sz="1800" b="1" dirty="0" err="1">
-                  <a:solidFill>
-                    <a:prstClr val="white"/>
-                  </a:solidFill>
-                </a:rPr>
-                <a:t>Controller</a:t>
-              </a:r>
-              <a:endParaRPr lang="pt-BR" sz="1800" b="1" dirty="0">
-                <a:solidFill>
-                  <a:prstClr val="white"/>
-                </a:solidFill>
-              </a:endParaRPr>
             </a:p>
             <a:p>
               <a:pPr lvl="0" algn="ctr">
@@ -9603,55 +9269,7 @@
                     <a:prstClr val="white"/>
                   </a:solidFill>
                 </a:rPr>
-                <a:t>[</a:t>
-              </a:r>
-              <a:r>
-                <a:rPr lang="pt-BR" sz="1400" dirty="0" err="1">
-                  <a:solidFill>
-                    <a:prstClr val="white"/>
-                  </a:solidFill>
-                </a:rPr>
-                <a:t>Component</a:t>
-              </a:r>
-              <a:r>
-                <a:rPr lang="pt-BR" sz="1400" dirty="0">
-                  <a:solidFill>
-                    <a:prstClr val="white"/>
-                  </a:solidFill>
-                </a:rPr>
-                <a:t>: Spring MVC </a:t>
-              </a:r>
-              <a:r>
-                <a:rPr lang="pt-BR" sz="1400" dirty="0" err="1">
-                  <a:solidFill>
-                    <a:prstClr val="white"/>
-                  </a:solidFill>
-                </a:rPr>
-                <a:t>Rest</a:t>
-              </a:r>
-              <a:r>
-                <a:rPr lang="pt-BR" sz="1400" dirty="0">
-                  <a:solidFill>
-                    <a:prstClr val="white"/>
-                  </a:solidFill>
-                </a:rPr>
-                <a:t> </a:t>
-              </a:r>
-              <a:r>
-                <a:rPr lang="pt-BR" sz="1400" dirty="0" err="1">
-                  <a:solidFill>
-                    <a:prstClr val="white"/>
-                  </a:solidFill>
-                </a:rPr>
-                <a:t>Controller</a:t>
-              </a:r>
-              <a:r>
-                <a:rPr lang="pt-BR" sz="1400" dirty="0">
-                  <a:solidFill>
-                    <a:prstClr val="white"/>
-                  </a:solidFill>
-                </a:rPr>
-                <a:t>]</a:t>
+                <a:t>[Component: Spring MVC Rest Controller]</a:t>
               </a:r>
             </a:p>
           </p:txBody>
@@ -9811,21 +9429,8 @@
                     <a:prstClr val="white"/>
                   </a:solidFill>
                 </a:rPr>
-                <a:t>Usuário </a:t>
+                <a:t>Usuário Controller</a:t>
               </a:r>
-              <a:r>
-                <a:rPr lang="pt-BR" sz="1800" b="1" dirty="0" err="1">
-                  <a:solidFill>
-                    <a:prstClr val="white"/>
-                  </a:solidFill>
-                </a:rPr>
-                <a:t>Controller</a:t>
-              </a:r>
-              <a:endParaRPr lang="pt-BR" sz="1800" b="1" dirty="0">
-                <a:solidFill>
-                  <a:prstClr val="white"/>
-                </a:solidFill>
-              </a:endParaRPr>
             </a:p>
             <a:p>
               <a:pPr lvl="0" algn="ctr">
@@ -9837,55 +9442,7 @@
                     <a:prstClr val="white"/>
                   </a:solidFill>
                 </a:rPr>
-                <a:t>[</a:t>
-              </a:r>
-              <a:r>
-                <a:rPr lang="pt-BR" sz="1400" dirty="0" err="1">
-                  <a:solidFill>
-                    <a:prstClr val="white"/>
-                  </a:solidFill>
-                </a:rPr>
-                <a:t>Component</a:t>
-              </a:r>
-              <a:r>
-                <a:rPr lang="pt-BR" sz="1400" dirty="0">
-                  <a:solidFill>
-                    <a:prstClr val="white"/>
-                  </a:solidFill>
-                </a:rPr>
-                <a:t>: Spring MVC </a:t>
-              </a:r>
-              <a:r>
-                <a:rPr lang="pt-BR" sz="1400" dirty="0" err="1">
-                  <a:solidFill>
-                    <a:prstClr val="white"/>
-                  </a:solidFill>
-                </a:rPr>
-                <a:t>Rest</a:t>
-              </a:r>
-              <a:r>
-                <a:rPr lang="pt-BR" sz="1400" dirty="0">
-                  <a:solidFill>
-                    <a:prstClr val="white"/>
-                  </a:solidFill>
-                </a:rPr>
-                <a:t> </a:t>
-              </a:r>
-              <a:r>
-                <a:rPr lang="pt-BR" sz="1400" dirty="0" err="1">
-                  <a:solidFill>
-                    <a:prstClr val="white"/>
-                  </a:solidFill>
-                </a:rPr>
-                <a:t>Controller</a:t>
-              </a:r>
-              <a:r>
-                <a:rPr lang="pt-BR" sz="1400" dirty="0">
-                  <a:solidFill>
-                    <a:prstClr val="white"/>
-                  </a:solidFill>
-                </a:rPr>
-                <a:t>]</a:t>
+                <a:t>[Component: Spring MVC Rest Controller]</a:t>
               </a:r>
             </a:p>
           </p:txBody>
@@ -9937,6 +9494,204 @@
           </p:txBody>
         </p:sp>
       </p:grpSp>
+      <p:cxnSp>
+        <p:nvCxnSpPr>
+          <p:cNvPr id="44" name="Conector de Seta Reta 43">
+            <a:extLst>
+              <a:ext uri="{FF2B5EF4-FFF2-40B4-BE49-F238E27FC236}">
+                <a16:creationId xmlns:a16="http://schemas.microsoft.com/office/drawing/2014/main" id="{8B51CF8D-2005-44AA-B282-CCBA0EFC9E5F}"/>
+              </a:ext>
+            </a:extLst>
+          </p:cNvPr>
+          <p:cNvCxnSpPr>
+            <a:cxnSpLocks/>
+            <a:stCxn id="51" idx="3"/>
+            <a:endCxn id="73" idx="1"/>
+          </p:cNvCxnSpPr>
+          <p:nvPr/>
+        </p:nvCxnSpPr>
+        <p:spPr>
+          <a:xfrm flipV="1">
+            <a:off x="2849568" y="5162752"/>
+            <a:ext cx="671382" cy="909124"/>
+          </a:xfrm>
+          <a:prstGeom prst="straightConnector1">
+            <a:avLst/>
+          </a:prstGeom>
+          <a:ln w="19050">
+            <a:solidFill>
+              <a:schemeClr val="accent5">
+                <a:lumMod val="75000"/>
+              </a:schemeClr>
+            </a:solidFill>
+            <a:prstDash val="sysDash"/>
+            <a:headEnd type="none" w="lg" len="lg"/>
+            <a:tailEnd type="triangle" w="lg" len="lg"/>
+          </a:ln>
+        </p:spPr>
+        <p:style>
+          <a:lnRef idx="1">
+            <a:schemeClr val="accent1"/>
+          </a:lnRef>
+          <a:fillRef idx="0">
+            <a:schemeClr val="accent1"/>
+          </a:fillRef>
+          <a:effectRef idx="0">
+            <a:schemeClr val="accent1"/>
+          </a:effectRef>
+          <a:fontRef idx="minor">
+            <a:schemeClr val="tx1"/>
+          </a:fontRef>
+        </p:style>
+      </p:cxnSp>
+      <p:cxnSp>
+        <p:nvCxnSpPr>
+          <p:cNvPr id="46" name="Conector de Seta Reta 45">
+            <a:extLst>
+              <a:ext uri="{FF2B5EF4-FFF2-40B4-BE49-F238E27FC236}">
+                <a16:creationId xmlns:a16="http://schemas.microsoft.com/office/drawing/2014/main" id="{AB5C6AA7-01D3-40FF-B48B-1876E8245646}"/>
+              </a:ext>
+            </a:extLst>
+          </p:cNvPr>
+          <p:cNvCxnSpPr>
+            <a:cxnSpLocks/>
+            <a:endCxn id="73" idx="1"/>
+          </p:cNvCxnSpPr>
+          <p:nvPr/>
+        </p:nvCxnSpPr>
+        <p:spPr>
+          <a:xfrm>
+            <a:off x="2918064" y="4466620"/>
+            <a:ext cx="602886" cy="696132"/>
+          </a:xfrm>
+          <a:prstGeom prst="straightConnector1">
+            <a:avLst/>
+          </a:prstGeom>
+          <a:ln w="19050">
+            <a:solidFill>
+              <a:schemeClr val="accent5">
+                <a:lumMod val="75000"/>
+              </a:schemeClr>
+            </a:solidFill>
+            <a:prstDash val="sysDash"/>
+            <a:headEnd type="none" w="lg" len="lg"/>
+            <a:tailEnd type="triangle" w="lg" len="lg"/>
+          </a:ln>
+        </p:spPr>
+        <p:style>
+          <a:lnRef idx="1">
+            <a:schemeClr val="accent1"/>
+          </a:lnRef>
+          <a:fillRef idx="0">
+            <a:schemeClr val="accent1"/>
+          </a:fillRef>
+          <a:effectRef idx="0">
+            <a:schemeClr val="accent1"/>
+          </a:effectRef>
+          <a:fontRef idx="minor">
+            <a:schemeClr val="tx1"/>
+          </a:fontRef>
+        </p:style>
+      </p:cxnSp>
+      <p:cxnSp>
+        <p:nvCxnSpPr>
+          <p:cNvPr id="54" name="Conector de Seta Reta 53">
+            <a:extLst>
+              <a:ext uri="{FF2B5EF4-FFF2-40B4-BE49-F238E27FC236}">
+                <a16:creationId xmlns:a16="http://schemas.microsoft.com/office/drawing/2014/main" id="{7735AEAA-BBA9-4F71-B64B-D50FC8E05369}"/>
+              </a:ext>
+            </a:extLst>
+          </p:cNvPr>
+          <p:cNvCxnSpPr>
+            <a:cxnSpLocks/>
+            <a:stCxn id="82" idx="3"/>
+            <a:endCxn id="73" idx="0"/>
+          </p:cNvCxnSpPr>
+          <p:nvPr/>
+        </p:nvCxnSpPr>
+        <p:spPr>
+          <a:xfrm>
+            <a:off x="2824951" y="3500052"/>
+            <a:ext cx="1773328" cy="701533"/>
+          </a:xfrm>
+          <a:prstGeom prst="straightConnector1">
+            <a:avLst/>
+          </a:prstGeom>
+          <a:ln w="19050">
+            <a:solidFill>
+              <a:schemeClr val="accent5">
+                <a:lumMod val="75000"/>
+              </a:schemeClr>
+            </a:solidFill>
+            <a:prstDash val="sysDash"/>
+            <a:headEnd type="none" w="lg" len="lg"/>
+            <a:tailEnd type="triangle" w="lg" len="lg"/>
+          </a:ln>
+        </p:spPr>
+        <p:style>
+          <a:lnRef idx="1">
+            <a:schemeClr val="accent1"/>
+          </a:lnRef>
+          <a:fillRef idx="0">
+            <a:schemeClr val="accent1"/>
+          </a:fillRef>
+          <a:effectRef idx="0">
+            <a:schemeClr val="accent1"/>
+          </a:effectRef>
+          <a:fontRef idx="minor">
+            <a:schemeClr val="tx1"/>
+          </a:fontRef>
+        </p:style>
+      </p:cxnSp>
+      <p:cxnSp>
+        <p:nvCxnSpPr>
+          <p:cNvPr id="57" name="Conector de Seta Reta 56">
+            <a:extLst>
+              <a:ext uri="{FF2B5EF4-FFF2-40B4-BE49-F238E27FC236}">
+                <a16:creationId xmlns:a16="http://schemas.microsoft.com/office/drawing/2014/main" id="{4792220E-BE53-4F0A-9095-F0CF33B6A91B}"/>
+              </a:ext>
+            </a:extLst>
+          </p:cNvPr>
+          <p:cNvCxnSpPr>
+            <a:cxnSpLocks/>
+            <a:stCxn id="87" idx="2"/>
+          </p:cNvCxnSpPr>
+          <p:nvPr/>
+        </p:nvCxnSpPr>
+        <p:spPr>
+          <a:xfrm flipH="1">
+            <a:off x="1957685" y="3246705"/>
+            <a:ext cx="2417579" cy="1963282"/>
+          </a:xfrm>
+          <a:prstGeom prst="straightConnector1">
+            <a:avLst/>
+          </a:prstGeom>
+          <a:ln w="19050">
+            <a:solidFill>
+              <a:schemeClr val="accent5">
+                <a:lumMod val="75000"/>
+              </a:schemeClr>
+            </a:solidFill>
+            <a:prstDash val="sysDash"/>
+            <a:headEnd type="none" w="lg" len="lg"/>
+            <a:tailEnd type="triangle" w="lg" len="lg"/>
+          </a:ln>
+        </p:spPr>
+        <p:style>
+          <a:lnRef idx="1">
+            <a:schemeClr val="accent1"/>
+          </a:lnRef>
+          <a:fillRef idx="0">
+            <a:schemeClr val="accent1"/>
+          </a:fillRef>
+          <a:effectRef idx="0">
+            <a:schemeClr val="accent1"/>
+          </a:effectRef>
+          <a:fontRef idx="minor">
+            <a:schemeClr val="tx1"/>
+          </a:fontRef>
+        </p:style>
+      </p:cxnSp>
     </p:spTree>
     <p:extLst>
       <p:ext uri="{BB962C8B-B14F-4D97-AF65-F5344CB8AC3E}">
@@ -10143,7 +9898,7 @@
                                           </p:stCondLst>
                                         </p:cTn>
                                         <p:tgtEl>
-                                          <p:spTgt spid="68"/>
+                                          <p:spTgt spid="83"/>
                                         </p:tgtEl>
                                         <p:attrNameLst>
                                           <p:attrName>style.visibility</p:attrName>
@@ -10188,7 +9943,7 @@
                                           </p:stCondLst>
                                         </p:cTn>
                                         <p:tgtEl>
-                                          <p:spTgt spid="83"/>
+                                          <p:spTgt spid="89"/>
                                         </p:tgtEl>
                                         <p:attrNameLst>
                                           <p:attrName>style.visibility</p:attrName>
@@ -10233,7 +9988,7 @@
                                           </p:stCondLst>
                                         </p:cTn>
                                         <p:tgtEl>
-                                          <p:spTgt spid="89"/>
+                                          <p:spTgt spid="92"/>
                                         </p:tgtEl>
                                         <p:attrNameLst>
                                           <p:attrName>style.visibility</p:attrName>
@@ -10278,7 +10033,7 @@
                                           </p:stCondLst>
                                         </p:cTn>
                                         <p:tgtEl>
-                                          <p:spTgt spid="92"/>
+                                          <p:spTgt spid="50"/>
                                         </p:tgtEl>
                                         <p:attrNameLst>
                                           <p:attrName>style.visibility</p:attrName>
@@ -10323,7 +10078,7 @@
                                           </p:stCondLst>
                                         </p:cTn>
                                         <p:tgtEl>
-                                          <p:spTgt spid="50"/>
+                                          <p:spTgt spid="72"/>
                                         </p:tgtEl>
                                         <p:attrNameLst>
                                           <p:attrName>style.visibility</p:attrName>
@@ -10368,7 +10123,7 @@
                                           </p:stCondLst>
                                         </p:cTn>
                                         <p:tgtEl>
-                                          <p:spTgt spid="72"/>
+                                          <p:spTgt spid="81"/>
                                         </p:tgtEl>
                                         <p:attrNameLst>
                                           <p:attrName>style.visibility</p:attrName>
@@ -10413,7 +10168,7 @@
                                           </p:stCondLst>
                                         </p:cTn>
                                         <p:tgtEl>
-                                          <p:spTgt spid="81"/>
+                                          <p:spTgt spid="86"/>
                                         </p:tgtEl>
                                         <p:attrNameLst>
                                           <p:attrName>style.visibility</p:attrName>
@@ -10458,7 +10213,142 @@
                                           </p:stCondLst>
                                         </p:cTn>
                                         <p:tgtEl>
-                                          <p:spTgt spid="86"/>
+                                          <p:spTgt spid="44"/>
+                                        </p:tgtEl>
+                                        <p:attrNameLst>
+                                          <p:attrName>style.visibility</p:attrName>
+                                        </p:attrNameLst>
+                                      </p:cBhvr>
+                                      <p:to>
+                                        <p:strVal val="visible"/>
+                                      </p:to>
+                                    </p:set>
+                                  </p:childTnLst>
+                                </p:cTn>
+                              </p:par>
+                            </p:childTnLst>
+                          </p:cTn>
+                        </p:par>
+                      </p:childTnLst>
+                    </p:cTn>
+                  </p:par>
+                  <p:par>
+                    <p:cTn id="49" fill="hold">
+                      <p:stCondLst>
+                        <p:cond delay="indefinite"/>
+                      </p:stCondLst>
+                      <p:childTnLst>
+                        <p:par>
+                          <p:cTn id="50" fill="hold">
+                            <p:stCondLst>
+                              <p:cond delay="0"/>
+                            </p:stCondLst>
+                            <p:childTnLst>
+                              <p:par>
+                                <p:cTn id="51" presetID="1" presetClass="entr" presetSubtype="0" fill="hold" nodeType="clickEffect">
+                                  <p:stCondLst>
+                                    <p:cond delay="0"/>
+                                  </p:stCondLst>
+                                  <p:childTnLst>
+                                    <p:set>
+                                      <p:cBhvr>
+                                        <p:cTn id="52" dur="1" fill="hold">
+                                          <p:stCondLst>
+                                            <p:cond delay="0"/>
+                                          </p:stCondLst>
+                                        </p:cTn>
+                                        <p:tgtEl>
+                                          <p:spTgt spid="46"/>
+                                        </p:tgtEl>
+                                        <p:attrNameLst>
+                                          <p:attrName>style.visibility</p:attrName>
+                                        </p:attrNameLst>
+                                      </p:cBhvr>
+                                      <p:to>
+                                        <p:strVal val="visible"/>
+                                      </p:to>
+                                    </p:set>
+                                  </p:childTnLst>
+                                </p:cTn>
+                              </p:par>
+                            </p:childTnLst>
+                          </p:cTn>
+                        </p:par>
+                      </p:childTnLst>
+                    </p:cTn>
+                  </p:par>
+                  <p:par>
+                    <p:cTn id="53" fill="hold">
+                      <p:stCondLst>
+                        <p:cond delay="indefinite"/>
+                      </p:stCondLst>
+                      <p:childTnLst>
+                        <p:par>
+                          <p:cTn id="54" fill="hold">
+                            <p:stCondLst>
+                              <p:cond delay="0"/>
+                            </p:stCondLst>
+                            <p:childTnLst>
+                              <p:par>
+                                <p:cTn id="55" presetID="1" presetClass="entr" presetSubtype="0" fill="hold" nodeType="clickEffect">
+                                  <p:stCondLst>
+                                    <p:cond delay="0"/>
+                                  </p:stCondLst>
+                                  <p:childTnLst>
+                                    <p:set>
+                                      <p:cBhvr>
+                                        <p:cTn id="56" dur="1" fill="hold">
+                                          <p:stCondLst>
+                                            <p:cond delay="0"/>
+                                          </p:stCondLst>
+                                        </p:cTn>
+                                        <p:tgtEl>
+                                          <p:spTgt spid="54"/>
+                                        </p:tgtEl>
+                                        <p:attrNameLst>
+                                          <p:attrName>style.visibility</p:attrName>
+                                        </p:attrNameLst>
+                                      </p:cBhvr>
+                                      <p:to>
+                                        <p:strVal val="visible"/>
+                                      </p:to>
+                                    </p:set>
+                                  </p:childTnLst>
+                                </p:cTn>
+                              </p:par>
+                            </p:childTnLst>
+                          </p:cTn>
+                        </p:par>
+                      </p:childTnLst>
+                    </p:cTn>
+                  </p:par>
+                  <p:par>
+                    <p:cTn id="57" fill="hold">
+                      <p:stCondLst>
+                        <p:cond delay="indefinite"/>
+                      </p:stCondLst>
+                      <p:childTnLst>
+                        <p:par>
+                          <p:cTn id="58" fill="hold">
+                            <p:stCondLst>
+                              <p:cond delay="0"/>
+                            </p:stCondLst>
+                            <p:childTnLst>
+                              <p:par>
+                                <p:cTn id="59" presetID="1" presetClass="entr" presetSubtype="0" fill="hold" nodeType="clickEffect">
+                                  <p:stCondLst>
+                                    <p:cond delay="0"/>
+                                  </p:stCondLst>
+                                  <p:childTnLst>
+                                    <p:set>
+                                      <p:cBhvr>
+                                        <p:cTn id="60" dur="1" fill="hold">
+                                          <p:stCondLst>
+                                            <p:cond delay="0"/>
+                                          </p:stCondLst>
+                                        </p:cTn>
+                                        <p:tgtEl>
+                                          <p:spTgt spid="57"/>
                                         </p:tgtEl>
                                         <p:attrNameLst>
                                           <p:attrName>style.visibility</p:attrName>
@@ -11638,12 +11528,6 @@
 </file>
 
 <file path=customXml/item1.xml><?xml version="1.0" encoding="utf-8"?>
-<p:properties xmlns:p="http://schemas.microsoft.com/office/2006/metadata/properties" xmlns:xsi="http://www.w3.org/2001/XMLSchema-instance" xmlns:pc="http://schemas.microsoft.com/office/infopath/2007/PartnerControls">
-  <documentManagement/>
-</p:properties>
-</file>
-
-<file path=customXml/item2.xml><?xml version="1.0" encoding="utf-8"?>
 <ct:contentTypeSchema xmlns:ct="http://schemas.microsoft.com/office/2006/metadata/contentType" xmlns:ma="http://schemas.microsoft.com/office/2006/metadata/properties/metaAttributes" ct:_="" ma:_="" ma:contentTypeName="Document" ma:contentTypeID="0x0101001132905C37EA9847A7207C4BBCCCD8F4" ma:contentTypeVersion="13" ma:contentTypeDescription="Create a new document." ma:contentTypeScope="" ma:versionID="0fa59793b99d27e1e0b856ab72ac2f0d">
   <xsd:schema xmlns:xsd="http://www.w3.org/2001/XMLSchema" xmlns:xs="http://www.w3.org/2001/XMLSchema" xmlns:p="http://schemas.microsoft.com/office/2006/metadata/properties" xmlns:ns3="4327b14a-fe89-488e-9f6d-9658cacf372b" xmlns:ns4="bbcd8c33-6940-4d4c-a587-bbc736ca1e4d" targetNamespace="http://schemas.microsoft.com/office/2006/metadata/properties" ma:root="true" ma:fieldsID="01494effa1b4414faf4d9851fe547c93" ns3:_="" ns4:_="">
     <xsd:import namespace="4327b14a-fe89-488e-9f6d-9658cacf372b"/>
@@ -11866,6 +11750,12 @@
 </ct:contentTypeSchema>
 </file>
 
+<file path=customXml/item2.xml><?xml version="1.0" encoding="utf-8"?>
+<p:properties xmlns:p="http://schemas.microsoft.com/office/2006/metadata/properties" xmlns:xsi="http://www.w3.org/2001/XMLSchema-instance" xmlns:pc="http://schemas.microsoft.com/office/infopath/2007/PartnerControls">
+  <documentManagement/>
+</p:properties>
+</file>
+
 <file path=customXml/item3.xml><?xml version="1.0" encoding="utf-8"?>
 <?mso-contentType ?>
 <FormTemplates xmlns="http://schemas.microsoft.com/sharepoint/v3/contenttype/forms">
@@ -11876,23 +11766,6 @@
 </file>
 
 <file path=customXml/itemProps1.xml><?xml version="1.0" encoding="utf-8"?>
-<ds:datastoreItem xmlns:ds="http://schemas.openxmlformats.org/officeDocument/2006/customXml" ds:itemID="{30D3F7B2-E865-49C4-B6C4-1C3489F322E5}">
-  <ds:schemaRefs>
-    <ds:schemaRef ds:uri="http://purl.org/dc/elements/1.1/"/>
-    <ds:schemaRef ds:uri="http://schemas.microsoft.com/office/2006/metadata/properties"/>
-    <ds:schemaRef ds:uri="4327b14a-fe89-488e-9f6d-9658cacf372b"/>
-    <ds:schemaRef ds:uri="bbcd8c33-6940-4d4c-a587-bbc736ca1e4d"/>
-    <ds:schemaRef ds:uri="http://purl.org/dc/terms/"/>
-    <ds:schemaRef ds:uri="http://schemas.openxmlformats.org/package/2006/metadata/core-properties"/>
-    <ds:schemaRef ds:uri="http://schemas.microsoft.com/office/2006/documentManagement/types"/>
-    <ds:schemaRef ds:uri="http://schemas.microsoft.com/office/infopath/2007/PartnerControls"/>
-    <ds:schemaRef ds:uri="http://www.w3.org/XML/1998/namespace"/>
-    <ds:schemaRef ds:uri="http://purl.org/dc/dcmitype/"/>
-  </ds:schemaRefs>
-</ds:datastoreItem>
-</file>
-
-<file path=customXml/itemProps2.xml><?xml version="1.0" encoding="utf-8"?>
 <ds:datastoreItem xmlns:ds="http://schemas.openxmlformats.org/officeDocument/2006/customXml" ds:itemID="{5B58B9C8-0155-43AB-B381-4C0241D252D3}">
   <ds:schemaRefs>
     <ds:schemaRef ds:uri="http://schemas.microsoft.com/office/2006/metadata/contentType"/>
@@ -11911,6 +11784,23 @@
 </ds:datastoreItem>
 </file>
 
+<file path=customXml/itemProps2.xml><?xml version="1.0" encoding="utf-8"?>
+<ds:datastoreItem xmlns:ds="http://schemas.openxmlformats.org/officeDocument/2006/customXml" ds:itemID="{30D3F7B2-E865-49C4-B6C4-1C3489F322E5}">
+  <ds:schemaRefs>
+    <ds:schemaRef ds:uri="http://purl.org/dc/elements/1.1/"/>
+    <ds:schemaRef ds:uri="http://schemas.microsoft.com/office/2006/metadata/properties"/>
+    <ds:schemaRef ds:uri="4327b14a-fe89-488e-9f6d-9658cacf372b"/>
+    <ds:schemaRef ds:uri="bbcd8c33-6940-4d4c-a587-bbc736ca1e4d"/>
+    <ds:schemaRef ds:uri="http://purl.org/dc/terms/"/>
+    <ds:schemaRef ds:uri="http://schemas.openxmlformats.org/package/2006/metadata/core-properties"/>
+    <ds:schemaRef ds:uri="http://schemas.microsoft.com/office/2006/documentManagement/types"/>
+    <ds:schemaRef ds:uri="http://schemas.microsoft.com/office/infopath/2007/PartnerControls"/>
+    <ds:schemaRef ds:uri="http://www.w3.org/XML/1998/namespace"/>
+    <ds:schemaRef ds:uri="http://purl.org/dc/dcmitype/"/>
+  </ds:schemaRefs>
+</ds:datastoreItem>
+</file>
+
 <file path=customXml/itemProps3.xml><?xml version="1.0" encoding="utf-8"?>
 <ds:datastoreItem xmlns:ds="http://schemas.openxmlformats.org/officeDocument/2006/customXml" ds:itemID="{B2402960-8EF3-4234-B7C9-25E125FD4CA5}">
   <ds:schemaRefs>

--- a/Documentos/Diagrama de Solucao de Software.pptx
+++ b/Documentos/Diagrama de Solucao de Software.pptx
@@ -224,7 +224,7 @@
             <a:fld id="{C3CD65D1-5C11-455D-9F9A-0E035F00A0DA}" type="datetimeFigureOut">
               <a:rPr lang="pt-BR" smtClean="0"/>
               <a:pPr/>
-              <a:t>25/11/2021</a:t>
+              <a:t>02/12/2021</a:t>
             </a:fld>
             <a:endParaRPr lang="pt-BR"/>
           </a:p>
@@ -392,7 +392,7 @@
             <a:fld id="{A05DA3EF-18EA-43DE-B1BB-402A3C558822}" type="datetimeFigureOut">
               <a:rPr lang="pt-BR" smtClean="0"/>
               <a:pPr/>
-              <a:t>25/11/2021</a:t>
+              <a:t>02/12/2021</a:t>
             </a:fld>
             <a:endParaRPr lang="pt-BR"/>
           </a:p>
@@ -7887,7 +7887,7 @@
         </p:nvGrpSpPr>
         <p:grpSpPr>
           <a:xfrm>
-            <a:off x="10382140" y="2408904"/>
+            <a:off x="10206189" y="2089084"/>
             <a:ext cx="3118144" cy="2284295"/>
             <a:chOff x="4116665" y="5135390"/>
             <a:chExt cx="2878650" cy="2059645"/>
@@ -8171,173 +8171,6 @@
           </a:p>
         </p:txBody>
       </p:sp>
-      <p:grpSp>
-        <p:nvGrpSpPr>
-          <p:cNvPr id="36" name="Agrupar 35">
-            <a:extLst>
-              <a:ext uri="{FF2B5EF4-FFF2-40B4-BE49-F238E27FC236}">
-                <a16:creationId xmlns:a16="http://schemas.microsoft.com/office/drawing/2014/main" id="{AEFB8712-9409-4F63-B43A-CD52DF88FCA7}"/>
-              </a:ext>
-            </a:extLst>
-          </p:cNvPr>
-          <p:cNvGrpSpPr/>
-          <p:nvPr/>
-        </p:nvGrpSpPr>
-        <p:grpSpPr>
-          <a:xfrm>
-            <a:off x="9741205" y="182544"/>
-            <a:ext cx="2609941" cy="2071737"/>
-            <a:chOff x="7507027" y="-1094634"/>
-            <a:chExt cx="2609941" cy="2071737"/>
-          </a:xfrm>
-        </p:grpSpPr>
-        <p:sp>
-          <p:nvSpPr>
-            <p:cNvPr id="38" name="Retângulo 29">
-              <a:extLst>
-                <a:ext uri="{FF2B5EF4-FFF2-40B4-BE49-F238E27FC236}">
-                  <a16:creationId xmlns:a16="http://schemas.microsoft.com/office/drawing/2014/main" id="{E5D9E0D2-2BAE-4EE9-9E06-F52AC4A60886}"/>
-                </a:ext>
-              </a:extLst>
-            </p:cNvPr>
-            <p:cNvSpPr/>
-            <p:nvPr/>
-          </p:nvSpPr>
-          <p:spPr>
-            <a:xfrm>
-              <a:off x="7632391" y="-1094634"/>
-              <a:ext cx="2377290" cy="2016223"/>
-            </a:xfrm>
-            <a:prstGeom prst="rect">
-              <a:avLst/>
-            </a:prstGeom>
-            <a:solidFill>
-              <a:schemeClr val="bg1">
-                <a:lumMod val="85000"/>
-              </a:schemeClr>
-            </a:solidFill>
-            <a:ln>
-              <a:solidFill>
-                <a:srgbClr val="253746"/>
-              </a:solidFill>
-              <a:prstDash val="dash"/>
-            </a:ln>
-          </p:spPr>
-          <p:style>
-            <a:lnRef idx="2">
-              <a:schemeClr val="accent1">
-                <a:shade val="50000"/>
-              </a:schemeClr>
-            </a:lnRef>
-            <a:fillRef idx="1">
-              <a:schemeClr val="accent1"/>
-            </a:fillRef>
-            <a:effectRef idx="0">
-              <a:schemeClr val="accent1"/>
-            </a:effectRef>
-            <a:fontRef idx="minor">
-              <a:schemeClr val="lt1"/>
-            </a:fontRef>
-          </p:style>
-          <p:txBody>
-            <a:bodyPr rtlCol="0" anchor="ctr"/>
-            <a:lstStyle/>
-            <a:p>
-              <a:pPr algn="ctr"/>
-              <a:endParaRPr lang="pt-BR" sz="1800" dirty="0">
-                <a:solidFill>
-                  <a:prstClr val="white"/>
-                </a:solidFill>
-                <a:latin typeface="Calibri"/>
-              </a:endParaRPr>
-            </a:p>
-          </p:txBody>
-        </p:sp>
-        <p:sp>
-          <p:nvSpPr>
-            <p:cNvPr id="39" name="Retângulo 20">
-              <a:extLst>
-                <a:ext uri="{FF2B5EF4-FFF2-40B4-BE49-F238E27FC236}">
-                  <a16:creationId xmlns:a16="http://schemas.microsoft.com/office/drawing/2014/main" id="{11F63140-3C31-4002-BC99-04061BA51AC3}"/>
-                </a:ext>
-              </a:extLst>
-            </p:cNvPr>
-            <p:cNvSpPr/>
-            <p:nvPr/>
-          </p:nvSpPr>
-          <p:spPr>
-            <a:xfrm>
-              <a:off x="7507027" y="-910603"/>
-              <a:ext cx="2566458" cy="646331"/>
-            </a:xfrm>
-            <a:prstGeom prst="rect">
-              <a:avLst/>
-            </a:prstGeom>
-          </p:spPr>
-          <p:txBody>
-            <a:bodyPr wrap="square">
-              <a:spAutoFit/>
-            </a:bodyPr>
-            <a:lstStyle/>
-            <a:p>
-              <a:pPr lvl="0" algn="ctr">
-                <a:defRPr/>
-              </a:pPr>
-              <a:r>
-                <a:rPr lang="pt-BR" sz="2000" b="1" dirty="0"/>
-                <a:t>API MercadoLivre</a:t>
-              </a:r>
-            </a:p>
-            <a:p>
-              <a:pPr lvl="0" algn="ctr">
-                <a:defRPr/>
-              </a:pPr>
-              <a:r>
-                <a:rPr lang="pt-BR" sz="1600" dirty="0"/>
-                <a:t>[Container: Pagamento]</a:t>
-              </a:r>
-            </a:p>
-          </p:txBody>
-        </p:sp>
-        <p:sp>
-          <p:nvSpPr>
-            <p:cNvPr id="42" name="Retângulo 20">
-              <a:extLst>
-                <a:ext uri="{FF2B5EF4-FFF2-40B4-BE49-F238E27FC236}">
-                  <a16:creationId xmlns:a16="http://schemas.microsoft.com/office/drawing/2014/main" id="{69077833-6244-44C2-BFFE-AE45FCB470B8}"/>
-                </a:ext>
-              </a:extLst>
-            </p:cNvPr>
-            <p:cNvSpPr/>
-            <p:nvPr/>
-          </p:nvSpPr>
-          <p:spPr>
-            <a:xfrm>
-              <a:off x="7550510" y="-100115"/>
-              <a:ext cx="2566458" cy="1077218"/>
-            </a:xfrm>
-            <a:prstGeom prst="rect">
-              <a:avLst/>
-            </a:prstGeom>
-          </p:spPr>
-          <p:txBody>
-            <a:bodyPr wrap="square">
-              <a:spAutoFit/>
-            </a:bodyPr>
-            <a:lstStyle/>
-            <a:p>
-              <a:pPr lvl="0" algn="ctr">
-                <a:defRPr/>
-              </a:pPr>
-              <a:r>
-                <a:rPr lang="pt-BR" sz="1600" dirty="0"/>
-                <a:t>Fornece a Forma de pagamentos via conta do Mercado livre, como cartões, boleto e Pix.</a:t>
-              </a:r>
-              <a:endParaRPr lang="pt-BR" sz="1200" dirty="0"/>
-            </a:p>
-          </p:txBody>
-        </p:sp>
-      </p:grpSp>
       <p:cxnSp>
         <p:nvCxnSpPr>
           <p:cNvPr id="43" name="Conector de Seta Reta 42">
@@ -8356,8 +8189,8 @@
         </p:nvCxnSpPr>
         <p:spPr>
           <a:xfrm flipV="1">
-            <a:off x="5900669" y="2545498"/>
-            <a:ext cx="2187491" cy="1676929"/>
+            <a:off x="6026433" y="2545498"/>
+            <a:ext cx="2061727" cy="1632832"/>
           </a:xfrm>
           <a:prstGeom prst="straightConnector1">
             <a:avLst/>
@@ -8551,65 +8384,12 @@
         </p:nvCxnSpPr>
         <p:spPr>
           <a:xfrm rot="10800000" flipV="1">
-            <a:off x="5858175" y="3575129"/>
+            <a:off x="5682224" y="3255309"/>
             <a:ext cx="4596094" cy="1452447"/>
           </a:xfrm>
           <a:prstGeom prst="bentConnector3">
             <a:avLst>
               <a:gd name="adj1" fmla="val 50000"/>
-            </a:avLst>
-          </a:prstGeom>
-          <a:ln w="19050">
-            <a:solidFill>
-              <a:schemeClr val="accent5">
-                <a:lumMod val="75000"/>
-              </a:schemeClr>
-            </a:solidFill>
-            <a:prstDash val="sysDash"/>
-            <a:headEnd type="none" w="lg" len="lg"/>
-            <a:tailEnd type="triangle" w="lg" len="lg"/>
-          </a:ln>
-        </p:spPr>
-        <p:style>
-          <a:lnRef idx="1">
-            <a:schemeClr val="accent1"/>
-          </a:lnRef>
-          <a:fillRef idx="0">
-            <a:schemeClr val="accent1"/>
-          </a:fillRef>
-          <a:effectRef idx="0">
-            <a:schemeClr val="accent1"/>
-          </a:effectRef>
-          <a:fontRef idx="minor">
-            <a:schemeClr val="tx1"/>
-          </a:fontRef>
-        </p:style>
-      </p:cxnSp>
-      <p:cxnSp>
-        <p:nvCxnSpPr>
-          <p:cNvPr id="89" name="Conector: Angulado 60">
-            <a:extLst>
-              <a:ext uri="{FF2B5EF4-FFF2-40B4-BE49-F238E27FC236}">
-                <a16:creationId xmlns:a16="http://schemas.microsoft.com/office/drawing/2014/main" id="{3776A36E-21C8-4723-9652-F2B8B90D0E16}"/>
-              </a:ext>
-            </a:extLst>
-          </p:cNvPr>
-          <p:cNvCxnSpPr>
-            <a:cxnSpLocks/>
-            <a:stCxn id="66" idx="0"/>
-            <a:endCxn id="38" idx="3"/>
-          </p:cNvCxnSpPr>
-          <p:nvPr/>
-        </p:nvCxnSpPr>
-        <p:spPr>
-          <a:xfrm rot="5400000" flipH="1" flipV="1">
-            <a:off x="11483411" y="1648457"/>
-            <a:ext cx="1218248" cy="302647"/>
-          </a:xfrm>
-          <a:prstGeom prst="bentConnector4">
-            <a:avLst>
-              <a:gd name="adj1" fmla="val 8625"/>
-              <a:gd name="adj2" fmla="val 175534"/>
             </a:avLst>
           </a:prstGeom>
           <a:ln w="19050">
@@ -8656,8 +8436,8 @@
         </p:nvCxnSpPr>
         <p:spPr>
           <a:xfrm rot="5400000">
-            <a:off x="10399696" y="3716638"/>
-            <a:ext cx="546000" cy="2499122"/>
+            <a:off x="10151811" y="3644704"/>
+            <a:ext cx="865820" cy="2323171"/>
           </a:xfrm>
           <a:prstGeom prst="bentConnector3">
             <a:avLst>
@@ -8704,8 +8484,8 @@
         </p:nvSpPr>
         <p:spPr>
           <a:xfrm>
-            <a:off x="401784" y="1207839"/>
-            <a:ext cx="5498885" cy="6029176"/>
+            <a:off x="366928" y="1015295"/>
+            <a:ext cx="5659505" cy="6326070"/>
           </a:xfrm>
           <a:prstGeom prst="rect">
             <a:avLst/>
@@ -8762,7 +8542,7 @@
         </p:nvGrpSpPr>
         <p:grpSpPr>
           <a:xfrm>
-            <a:off x="688558" y="5162752"/>
+            <a:off x="584867" y="3457568"/>
             <a:ext cx="2294739" cy="1818248"/>
             <a:chOff x="8788108" y="1515280"/>
             <a:chExt cx="2566458" cy="2016224"/>
@@ -8811,7 +8591,7 @@
             <a:lstStyle/>
             <a:p>
               <a:pPr algn="ctr"/>
-              <a:endParaRPr lang="pt-BR" sz="1600">
+              <a:endParaRPr lang="pt-BR" sz="1600" dirty="0">
                 <a:solidFill>
                   <a:prstClr val="white"/>
                 </a:solidFill>
@@ -8935,7 +8715,7 @@
         </p:nvSpPr>
         <p:spPr>
           <a:xfrm>
-            <a:off x="1820222" y="343717"/>
+            <a:off x="1957685" y="117975"/>
             <a:ext cx="2710474" cy="830997"/>
           </a:xfrm>
           <a:prstGeom prst="rect">
@@ -8989,7 +8769,7 @@
         </p:nvGrpSpPr>
         <p:grpSpPr>
           <a:xfrm>
-            <a:off x="3484111" y="4201585"/>
+            <a:off x="3509149" y="3981687"/>
             <a:ext cx="2327112" cy="1922334"/>
             <a:chOff x="8788108" y="1515280"/>
             <a:chExt cx="2566458" cy="2016224"/>
@@ -9162,7 +8942,7 @@
         </p:nvGrpSpPr>
         <p:grpSpPr>
           <a:xfrm>
-            <a:off x="663941" y="2590928"/>
+            <a:off x="689151" y="1510402"/>
             <a:ext cx="2294739" cy="1818248"/>
             <a:chOff x="8788108" y="1515280"/>
             <a:chExt cx="2566458" cy="2016224"/>
@@ -9335,7 +9115,7 @@
         </p:nvGrpSpPr>
         <p:grpSpPr>
           <a:xfrm>
-            <a:off x="3276595" y="1428457"/>
+            <a:off x="3301633" y="1208559"/>
             <a:ext cx="2294739" cy="1818248"/>
             <a:chOff x="8788108" y="1515005"/>
             <a:chExt cx="2566458" cy="2016224"/>
@@ -9511,9 +9291,9 @@
           <p:nvPr/>
         </p:nvCxnSpPr>
         <p:spPr>
-          <a:xfrm flipV="1">
-            <a:off x="2849568" y="5162752"/>
-            <a:ext cx="671382" cy="909124"/>
+          <a:xfrm>
+            <a:off x="2745877" y="4366692"/>
+            <a:ext cx="800111" cy="576162"/>
           </a:xfrm>
           <a:prstGeom prst="straightConnector1">
             <a:avLst/>
@@ -9555,14 +9335,15 @@
           </p:cNvPr>
           <p:cNvCxnSpPr>
             <a:cxnSpLocks/>
+            <a:stCxn id="47" idx="0"/>
             <a:endCxn id="73" idx="1"/>
           </p:cNvCxnSpPr>
           <p:nvPr/>
         </p:nvCxnSpPr>
         <p:spPr>
-          <a:xfrm>
-            <a:off x="2918064" y="4466620"/>
-            <a:ext cx="602886" cy="696132"/>
+          <a:xfrm flipV="1">
+            <a:off x="2184750" y="4942854"/>
+            <a:ext cx="1361238" cy="474646"/>
           </a:xfrm>
           <a:prstGeom prst="straightConnector1">
             <a:avLst/>
@@ -9611,8 +9392,8 @@
         </p:nvCxnSpPr>
         <p:spPr>
           <a:xfrm>
-            <a:off x="2824951" y="3500052"/>
-            <a:ext cx="1773328" cy="701533"/>
+            <a:off x="2850161" y="2419526"/>
+            <a:ext cx="1773156" cy="1562161"/>
           </a:xfrm>
           <a:prstGeom prst="straightConnector1">
             <a:avLst/>
@@ -9655,13 +9436,14 @@
           <p:cNvCxnSpPr>
             <a:cxnSpLocks/>
             <a:stCxn id="87" idx="2"/>
+            <a:endCxn id="52" idx="0"/>
           </p:cNvCxnSpPr>
           <p:nvPr/>
         </p:nvCxnSpPr>
         <p:spPr>
           <a:xfrm flipH="1">
-            <a:off x="1957685" y="3246705"/>
-            <a:ext cx="2417579" cy="1963282"/>
+            <a:off x="1732237" y="3026807"/>
+            <a:ext cx="2668065" cy="491882"/>
           </a:xfrm>
           <a:prstGeom prst="straightConnector1">
             <a:avLst/>
@@ -9692,6 +9474,187 @@
           </a:fontRef>
         </p:style>
       </p:cxnSp>
+      <p:grpSp>
+        <p:nvGrpSpPr>
+          <p:cNvPr id="45" name="Group 38">
+            <a:extLst>
+              <a:ext uri="{FF2B5EF4-FFF2-40B4-BE49-F238E27FC236}">
+                <a16:creationId xmlns:a16="http://schemas.microsoft.com/office/drawing/2014/main" id="{309A6863-EA82-469D-8AB5-D7BC5AF7F424}"/>
+              </a:ext>
+            </a:extLst>
+          </p:cNvPr>
+          <p:cNvGrpSpPr/>
+          <p:nvPr/>
+        </p:nvGrpSpPr>
+        <p:grpSpPr>
+          <a:xfrm>
+            <a:off x="1086081" y="5417500"/>
+            <a:ext cx="2294739" cy="1818248"/>
+            <a:chOff x="8788108" y="1515280"/>
+            <a:chExt cx="2566458" cy="2016224"/>
+          </a:xfrm>
+        </p:grpSpPr>
+        <p:sp>
+          <p:nvSpPr>
+            <p:cNvPr id="47" name="Retângulo 46">
+              <a:extLst>
+                <a:ext uri="{FF2B5EF4-FFF2-40B4-BE49-F238E27FC236}">
+                  <a16:creationId xmlns:a16="http://schemas.microsoft.com/office/drawing/2014/main" id="{F8F66F3C-6BC4-46F3-BBC4-7EB17C4306D4}"/>
+                </a:ext>
+              </a:extLst>
+            </p:cNvPr>
+            <p:cNvSpPr/>
+            <p:nvPr/>
+          </p:nvSpPr>
+          <p:spPr>
+            <a:xfrm>
+              <a:off x="8828736" y="1515280"/>
+              <a:ext cx="2376266" cy="2016224"/>
+            </a:xfrm>
+            <a:prstGeom prst="rect">
+              <a:avLst/>
+            </a:prstGeom>
+            <a:ln/>
+          </p:spPr>
+          <p:style>
+            <a:lnRef idx="2">
+              <a:schemeClr val="accent5">
+                <a:shade val="50000"/>
+              </a:schemeClr>
+            </a:lnRef>
+            <a:fillRef idx="1">
+              <a:schemeClr val="accent5"/>
+            </a:fillRef>
+            <a:effectRef idx="0">
+              <a:schemeClr val="accent5"/>
+            </a:effectRef>
+            <a:fontRef idx="minor">
+              <a:schemeClr val="lt1"/>
+            </a:fontRef>
+          </p:style>
+          <p:txBody>
+            <a:bodyPr rtlCol="0" anchor="ctr"/>
+            <a:lstStyle/>
+            <a:p>
+              <a:pPr algn="ctr"/>
+              <a:endParaRPr lang="pt-BR" sz="1600" dirty="0">
+                <a:solidFill>
+                  <a:prstClr val="white"/>
+                </a:solidFill>
+                <a:latin typeface="Calibri"/>
+              </a:endParaRPr>
+            </a:p>
+          </p:txBody>
+        </p:sp>
+        <p:sp>
+          <p:nvSpPr>
+            <p:cNvPr id="48" name="Retângulo 47">
+              <a:extLst>
+                <a:ext uri="{FF2B5EF4-FFF2-40B4-BE49-F238E27FC236}">
+                  <a16:creationId xmlns:a16="http://schemas.microsoft.com/office/drawing/2014/main" id="{4E6C4FE6-2A60-4E7F-BEB7-46791D63AAC5}"/>
+                </a:ext>
+              </a:extLst>
+            </p:cNvPr>
+            <p:cNvSpPr/>
+            <p:nvPr/>
+          </p:nvSpPr>
+          <p:spPr>
+            <a:xfrm>
+              <a:off x="8788108" y="1583056"/>
+              <a:ext cx="2566458" cy="1194509"/>
+            </a:xfrm>
+            <a:prstGeom prst="rect">
+              <a:avLst/>
+            </a:prstGeom>
+          </p:spPr>
+          <p:txBody>
+            <a:bodyPr wrap="square">
+              <a:spAutoFit/>
+            </a:bodyPr>
+            <a:lstStyle/>
+            <a:p>
+              <a:pPr lvl="0" algn="ctr">
+                <a:defRPr/>
+              </a:pPr>
+              <a:r>
+                <a:rPr lang="pt-BR" sz="1800" b="1" dirty="0" err="1">
+                  <a:solidFill>
+                    <a:prstClr val="white"/>
+                  </a:solidFill>
+                </a:rPr>
+                <a:t>ItensPedido</a:t>
+              </a:r>
+              <a:r>
+                <a:rPr lang="pt-BR" sz="1800" b="1" dirty="0">
+                  <a:solidFill>
+                    <a:prstClr val="white"/>
+                  </a:solidFill>
+                </a:rPr>
+                <a:t> Controller</a:t>
+              </a:r>
+            </a:p>
+            <a:p>
+              <a:pPr lvl="0" algn="ctr">
+                <a:defRPr/>
+              </a:pPr>
+              <a:r>
+                <a:rPr lang="pt-BR" sz="1400" dirty="0">
+                  <a:solidFill>
+                    <a:prstClr val="white"/>
+                  </a:solidFill>
+                </a:rPr>
+                <a:t>[Component: Spring MVC Rest Controller]</a:t>
+              </a:r>
+            </a:p>
+          </p:txBody>
+        </p:sp>
+        <p:sp>
+          <p:nvSpPr>
+            <p:cNvPr id="49" name="Retângulo 20">
+              <a:extLst>
+                <a:ext uri="{FF2B5EF4-FFF2-40B4-BE49-F238E27FC236}">
+                  <a16:creationId xmlns:a16="http://schemas.microsoft.com/office/drawing/2014/main" id="{64E9E2E9-0DA3-47AD-A092-BFF8646DFA3A}"/>
+                </a:ext>
+              </a:extLst>
+            </p:cNvPr>
+            <p:cNvSpPr/>
+            <p:nvPr/>
+          </p:nvSpPr>
+          <p:spPr>
+            <a:xfrm>
+              <a:off x="8860115" y="2714711"/>
+              <a:ext cx="2387314" cy="481070"/>
+            </a:xfrm>
+            <a:prstGeom prst="rect">
+              <a:avLst/>
+            </a:prstGeom>
+          </p:spPr>
+          <p:txBody>
+            <a:bodyPr wrap="square">
+              <a:spAutoFit/>
+            </a:bodyPr>
+            <a:lstStyle/>
+            <a:p>
+              <a:pPr lvl="0" algn="ctr">
+                <a:defRPr/>
+              </a:pPr>
+              <a:r>
+                <a:rPr lang="pt-BR" sz="1400" dirty="0">
+                  <a:solidFill>
+                    <a:prstClr val="white"/>
+                  </a:solidFill>
+                </a:rPr>
+                <a:t>Lista dos Produtos escolhidos pelos usuário.</a:t>
+              </a:r>
+              <a:endParaRPr lang="pt-BR" sz="1100" dirty="0">
+                <a:solidFill>
+                  <a:prstClr val="white"/>
+                </a:solidFill>
+              </a:endParaRPr>
+            </a:p>
+          </p:txBody>
+        </p:sp>
+      </p:grpSp>
     </p:spTree>
     <p:extLst>
       <p:ext uri="{BB962C8B-B14F-4D97-AF65-F5344CB8AC3E}">
@@ -9794,33 +9757,6 @@
                                   </p:childTnLst>
                                 </p:cTn>
                               </p:par>
-                              <p:par>
-                                <p:cTn id="11" presetID="1" presetClass="entr" presetSubtype="0" fill="hold" nodeType="withEffect">
-                                  <p:stCondLst>
-                                    <p:cond delay="0"/>
-                                  </p:stCondLst>
-                                  <p:childTnLst>
-                                    <p:set>
-                                      <p:cBhvr>
-                                        <p:cTn id="12" dur="1" fill="hold">
-                                          <p:stCondLst>
-                                            <p:cond delay="0"/>
-                                          </p:stCondLst>
-                                        </p:cTn>
-                                        <p:tgtEl>
-                                          <p:spTgt spid="36"/>
-                                        </p:tgtEl>
-                                        <p:attrNameLst>
-                                          <p:attrName>style.visibility</p:attrName>
-                                        </p:attrNameLst>
-                                      </p:cBhvr>
-                                      <p:to>
-                                        <p:strVal val="visible"/>
-                                      </p:to>
-                                    </p:set>
-                                  </p:childTnLst>
-                                </p:cTn>
-                              </p:par>
                             </p:childTnLst>
                           </p:cTn>
                         </p:par>
@@ -9828,26 +9764,26 @@
                     </p:cTn>
                   </p:par>
                   <p:par>
-                    <p:cTn id="13" fill="hold">
+                    <p:cTn id="11" fill="hold">
                       <p:stCondLst>
                         <p:cond delay="indefinite"/>
                       </p:stCondLst>
                       <p:childTnLst>
                         <p:par>
-                          <p:cTn id="14" fill="hold">
+                          <p:cTn id="12" fill="hold">
                             <p:stCondLst>
                               <p:cond delay="0"/>
                             </p:stCondLst>
                             <p:childTnLst>
                               <p:par>
-                                <p:cTn id="15" presetID="1" presetClass="entr" presetSubtype="0" fill="hold" nodeType="clickEffect">
+                                <p:cTn id="13" presetID="1" presetClass="entr" presetSubtype="0" fill="hold" nodeType="clickEffect">
                                   <p:stCondLst>
                                     <p:cond delay="0"/>
                                   </p:stCondLst>
                                   <p:childTnLst>
                                     <p:set>
                                       <p:cBhvr>
-                                        <p:cTn id="16" dur="1" fill="hold">
+                                        <p:cTn id="14" dur="1" fill="hold">
                                           <p:stCondLst>
                                             <p:cond delay="0"/>
                                           </p:stCondLst>
@@ -9873,26 +9809,26 @@
                     </p:cTn>
                   </p:par>
                   <p:par>
-                    <p:cTn id="17" fill="hold">
+                    <p:cTn id="15" fill="hold">
                       <p:stCondLst>
                         <p:cond delay="indefinite"/>
                       </p:stCondLst>
                       <p:childTnLst>
                         <p:par>
-                          <p:cTn id="18" fill="hold">
+                          <p:cTn id="16" fill="hold">
                             <p:stCondLst>
                               <p:cond delay="0"/>
                             </p:stCondLst>
                             <p:childTnLst>
                               <p:par>
-                                <p:cTn id="19" presetID="1" presetClass="entr" presetSubtype="0" fill="hold" nodeType="clickEffect">
+                                <p:cTn id="17" presetID="1" presetClass="entr" presetSubtype="0" fill="hold" nodeType="clickEffect">
                                   <p:stCondLst>
                                     <p:cond delay="0"/>
                                   </p:stCondLst>
                                   <p:childTnLst>
                                     <p:set>
                                       <p:cBhvr>
-                                        <p:cTn id="20" dur="1" fill="hold">
+                                        <p:cTn id="18" dur="1" fill="hold">
                                           <p:stCondLst>
                                             <p:cond delay="0"/>
                                           </p:stCondLst>
@@ -9918,71 +9854,26 @@
                     </p:cTn>
                   </p:par>
                   <p:par>
-                    <p:cTn id="21" fill="hold">
+                    <p:cTn id="19" fill="hold">
                       <p:stCondLst>
                         <p:cond delay="indefinite"/>
                       </p:stCondLst>
                       <p:childTnLst>
                         <p:par>
-                          <p:cTn id="22" fill="hold">
+                          <p:cTn id="20" fill="hold">
                             <p:stCondLst>
                               <p:cond delay="0"/>
                             </p:stCondLst>
                             <p:childTnLst>
                               <p:par>
-                                <p:cTn id="23" presetID="1" presetClass="entr" presetSubtype="0" fill="hold" nodeType="clickEffect">
+                                <p:cTn id="21" presetID="1" presetClass="entr" presetSubtype="0" fill="hold" nodeType="clickEffect">
                                   <p:stCondLst>
                                     <p:cond delay="0"/>
                                   </p:stCondLst>
                                   <p:childTnLst>
                                     <p:set>
                                       <p:cBhvr>
-                                        <p:cTn id="24" dur="1" fill="hold">
-                                          <p:stCondLst>
-                                            <p:cond delay="0"/>
-                                          </p:stCondLst>
-                                        </p:cTn>
-                                        <p:tgtEl>
-                                          <p:spTgt spid="89"/>
-                                        </p:tgtEl>
-                                        <p:attrNameLst>
-                                          <p:attrName>style.visibility</p:attrName>
-                                        </p:attrNameLst>
-                                      </p:cBhvr>
-                                      <p:to>
-                                        <p:strVal val="visible"/>
-                                      </p:to>
-                                    </p:set>
-                                  </p:childTnLst>
-                                </p:cTn>
-                              </p:par>
-                            </p:childTnLst>
-                          </p:cTn>
-                        </p:par>
-                      </p:childTnLst>
-                    </p:cTn>
-                  </p:par>
-                  <p:par>
-                    <p:cTn id="25" fill="hold">
-                      <p:stCondLst>
-                        <p:cond delay="indefinite"/>
-                      </p:stCondLst>
-                      <p:childTnLst>
-                        <p:par>
-                          <p:cTn id="26" fill="hold">
-                            <p:stCondLst>
-                              <p:cond delay="0"/>
-                            </p:stCondLst>
-                            <p:childTnLst>
-                              <p:par>
-                                <p:cTn id="27" presetID="1" presetClass="entr" presetSubtype="0" fill="hold" nodeType="clickEffect">
-                                  <p:stCondLst>
-                                    <p:cond delay="0"/>
-                                  </p:stCondLst>
-                                  <p:childTnLst>
-                                    <p:set>
-                                      <p:cBhvr>
-                                        <p:cTn id="28" dur="1" fill="hold">
+                                        <p:cTn id="22" dur="1" fill="hold">
                                           <p:stCondLst>
                                             <p:cond delay="0"/>
                                           </p:stCondLst>
@@ -10008,26 +9899,26 @@
                     </p:cTn>
                   </p:par>
                   <p:par>
-                    <p:cTn id="29" fill="hold">
+                    <p:cTn id="23" fill="hold">
                       <p:stCondLst>
                         <p:cond delay="indefinite"/>
                       </p:stCondLst>
                       <p:childTnLst>
                         <p:par>
-                          <p:cTn id="30" fill="hold">
+                          <p:cTn id="24" fill="hold">
                             <p:stCondLst>
                               <p:cond delay="0"/>
                             </p:stCondLst>
                             <p:childTnLst>
                               <p:par>
-                                <p:cTn id="31" presetID="1" presetClass="entr" presetSubtype="0" fill="hold" nodeType="clickEffect">
+                                <p:cTn id="25" presetID="1" presetClass="entr" presetSubtype="0" fill="hold" nodeType="clickEffect">
                                   <p:stCondLst>
                                     <p:cond delay="0"/>
                                   </p:stCondLst>
                                   <p:childTnLst>
                                     <p:set>
                                       <p:cBhvr>
-                                        <p:cTn id="32" dur="1" fill="hold">
+                                        <p:cTn id="26" dur="1" fill="hold">
                                           <p:stCondLst>
                                             <p:cond delay="0"/>
                                           </p:stCondLst>
@@ -10053,26 +9944,26 @@
                     </p:cTn>
                   </p:par>
                   <p:par>
-                    <p:cTn id="33" fill="hold">
+                    <p:cTn id="27" fill="hold">
                       <p:stCondLst>
                         <p:cond delay="indefinite"/>
                       </p:stCondLst>
                       <p:childTnLst>
                         <p:par>
-                          <p:cTn id="34" fill="hold">
+                          <p:cTn id="28" fill="hold">
                             <p:stCondLst>
                               <p:cond delay="0"/>
                             </p:stCondLst>
                             <p:childTnLst>
                               <p:par>
-                                <p:cTn id="35" presetID="1" presetClass="entr" presetSubtype="0" fill="hold" nodeType="clickEffect">
+                                <p:cTn id="29" presetID="1" presetClass="entr" presetSubtype="0" fill="hold" nodeType="clickEffect">
                                   <p:stCondLst>
                                     <p:cond delay="0"/>
                                   </p:stCondLst>
                                   <p:childTnLst>
                                     <p:set>
                                       <p:cBhvr>
-                                        <p:cTn id="36" dur="1" fill="hold">
+                                        <p:cTn id="30" dur="1" fill="hold">
                                           <p:stCondLst>
                                             <p:cond delay="0"/>
                                           </p:stCondLst>
@@ -10098,26 +9989,26 @@
                     </p:cTn>
                   </p:par>
                   <p:par>
-                    <p:cTn id="37" fill="hold">
+                    <p:cTn id="31" fill="hold">
                       <p:stCondLst>
                         <p:cond delay="indefinite"/>
                       </p:stCondLst>
                       <p:childTnLst>
                         <p:par>
-                          <p:cTn id="38" fill="hold">
+                          <p:cTn id="32" fill="hold">
                             <p:stCondLst>
                               <p:cond delay="0"/>
                             </p:stCondLst>
                             <p:childTnLst>
                               <p:par>
-                                <p:cTn id="39" presetID="1" presetClass="entr" presetSubtype="0" fill="hold" nodeType="clickEffect">
+                                <p:cTn id="33" presetID="1" presetClass="entr" presetSubtype="0" fill="hold" nodeType="clickEffect">
                                   <p:stCondLst>
                                     <p:cond delay="0"/>
                                   </p:stCondLst>
                                   <p:childTnLst>
                                     <p:set>
                                       <p:cBhvr>
-                                        <p:cTn id="40" dur="1" fill="hold">
+                                        <p:cTn id="34" dur="1" fill="hold">
                                           <p:stCondLst>
                                             <p:cond delay="0"/>
                                           </p:stCondLst>
@@ -10143,26 +10034,26 @@
                     </p:cTn>
                   </p:par>
                   <p:par>
-                    <p:cTn id="41" fill="hold">
+                    <p:cTn id="35" fill="hold">
                       <p:stCondLst>
                         <p:cond delay="indefinite"/>
                       </p:stCondLst>
                       <p:childTnLst>
                         <p:par>
-                          <p:cTn id="42" fill="hold">
+                          <p:cTn id="36" fill="hold">
                             <p:stCondLst>
                               <p:cond delay="0"/>
                             </p:stCondLst>
                             <p:childTnLst>
                               <p:par>
-                                <p:cTn id="43" presetID="1" presetClass="entr" presetSubtype="0" fill="hold" nodeType="clickEffect">
+                                <p:cTn id="37" presetID="1" presetClass="entr" presetSubtype="0" fill="hold" nodeType="clickEffect">
                                   <p:stCondLst>
                                     <p:cond delay="0"/>
                                   </p:stCondLst>
                                   <p:childTnLst>
                                     <p:set>
                                       <p:cBhvr>
-                                        <p:cTn id="44" dur="1" fill="hold">
+                                        <p:cTn id="38" dur="1" fill="hold">
                                           <p:stCondLst>
                                             <p:cond delay="0"/>
                                           </p:stCondLst>
@@ -10188,26 +10079,26 @@
                     </p:cTn>
                   </p:par>
                   <p:par>
-                    <p:cTn id="45" fill="hold">
+                    <p:cTn id="39" fill="hold">
                       <p:stCondLst>
                         <p:cond delay="indefinite"/>
                       </p:stCondLst>
                       <p:childTnLst>
                         <p:par>
-                          <p:cTn id="46" fill="hold">
+                          <p:cTn id="40" fill="hold">
                             <p:stCondLst>
                               <p:cond delay="0"/>
                             </p:stCondLst>
                             <p:childTnLst>
                               <p:par>
-                                <p:cTn id="47" presetID="1" presetClass="entr" presetSubtype="0" fill="hold" nodeType="clickEffect">
+                                <p:cTn id="41" presetID="1" presetClass="entr" presetSubtype="0" fill="hold" nodeType="clickEffect">
                                   <p:stCondLst>
                                     <p:cond delay="0"/>
                                   </p:stCondLst>
                                   <p:childTnLst>
                                     <p:set>
                                       <p:cBhvr>
-                                        <p:cTn id="48" dur="1" fill="hold">
+                                        <p:cTn id="42" dur="1" fill="hold">
                                           <p:stCondLst>
                                             <p:cond delay="0"/>
                                           </p:stCondLst>
@@ -10233,26 +10124,26 @@
                     </p:cTn>
                   </p:par>
                   <p:par>
-                    <p:cTn id="49" fill="hold">
+                    <p:cTn id="43" fill="hold">
                       <p:stCondLst>
                         <p:cond delay="indefinite"/>
                       </p:stCondLst>
                       <p:childTnLst>
                         <p:par>
-                          <p:cTn id="50" fill="hold">
+                          <p:cTn id="44" fill="hold">
                             <p:stCondLst>
                               <p:cond delay="0"/>
                             </p:stCondLst>
                             <p:childTnLst>
                               <p:par>
-                                <p:cTn id="51" presetID="1" presetClass="entr" presetSubtype="0" fill="hold" nodeType="clickEffect">
+                                <p:cTn id="45" presetID="1" presetClass="entr" presetSubtype="0" fill="hold" nodeType="clickEffect">
                                   <p:stCondLst>
                                     <p:cond delay="0"/>
                                   </p:stCondLst>
                                   <p:childTnLst>
                                     <p:set>
                                       <p:cBhvr>
-                                        <p:cTn id="52" dur="1" fill="hold">
+                                        <p:cTn id="46" dur="1" fill="hold">
                                           <p:stCondLst>
                                             <p:cond delay="0"/>
                                           </p:stCondLst>
@@ -10278,26 +10169,26 @@
                     </p:cTn>
                   </p:par>
                   <p:par>
-                    <p:cTn id="53" fill="hold">
+                    <p:cTn id="47" fill="hold">
                       <p:stCondLst>
                         <p:cond delay="indefinite"/>
                       </p:stCondLst>
                       <p:childTnLst>
                         <p:par>
-                          <p:cTn id="54" fill="hold">
+                          <p:cTn id="48" fill="hold">
                             <p:stCondLst>
                               <p:cond delay="0"/>
                             </p:stCondLst>
                             <p:childTnLst>
                               <p:par>
-                                <p:cTn id="55" presetID="1" presetClass="entr" presetSubtype="0" fill="hold" nodeType="clickEffect">
+                                <p:cTn id="49" presetID="1" presetClass="entr" presetSubtype="0" fill="hold" nodeType="clickEffect">
                                   <p:stCondLst>
                                     <p:cond delay="0"/>
                                   </p:stCondLst>
                                   <p:childTnLst>
                                     <p:set>
                                       <p:cBhvr>
-                                        <p:cTn id="56" dur="1" fill="hold">
+                                        <p:cTn id="50" dur="1" fill="hold">
                                           <p:stCondLst>
                                             <p:cond delay="0"/>
                                           </p:stCondLst>
@@ -10323,32 +10214,77 @@
                     </p:cTn>
                   </p:par>
                   <p:par>
-                    <p:cTn id="57" fill="hold">
+                    <p:cTn id="51" fill="hold">
                       <p:stCondLst>
                         <p:cond delay="indefinite"/>
                       </p:stCondLst>
                       <p:childTnLst>
                         <p:par>
-                          <p:cTn id="58" fill="hold">
+                          <p:cTn id="52" fill="hold">
                             <p:stCondLst>
                               <p:cond delay="0"/>
                             </p:stCondLst>
                             <p:childTnLst>
                               <p:par>
-                                <p:cTn id="59" presetID="1" presetClass="entr" presetSubtype="0" fill="hold" nodeType="clickEffect">
+                                <p:cTn id="53" presetID="1" presetClass="entr" presetSubtype="0" fill="hold" nodeType="clickEffect">
                                   <p:stCondLst>
                                     <p:cond delay="0"/>
                                   </p:stCondLst>
                                   <p:childTnLst>
                                     <p:set>
                                       <p:cBhvr>
-                                        <p:cTn id="60" dur="1" fill="hold">
+                                        <p:cTn id="54" dur="1" fill="hold">
                                           <p:stCondLst>
                                             <p:cond delay="0"/>
                                           </p:stCondLst>
                                         </p:cTn>
                                         <p:tgtEl>
                                           <p:spTgt spid="57"/>
+                                        </p:tgtEl>
+                                        <p:attrNameLst>
+                                          <p:attrName>style.visibility</p:attrName>
+                                        </p:attrNameLst>
+                                      </p:cBhvr>
+                                      <p:to>
+                                        <p:strVal val="visible"/>
+                                      </p:to>
+                                    </p:set>
+                                  </p:childTnLst>
+                                </p:cTn>
+                              </p:par>
+                            </p:childTnLst>
+                          </p:cTn>
+                        </p:par>
+                      </p:childTnLst>
+                    </p:cTn>
+                  </p:par>
+                  <p:par>
+                    <p:cTn id="55" fill="hold">
+                      <p:stCondLst>
+                        <p:cond delay="indefinite"/>
+                      </p:stCondLst>
+                      <p:childTnLst>
+                        <p:par>
+                          <p:cTn id="56" fill="hold">
+                            <p:stCondLst>
+                              <p:cond delay="0"/>
+                            </p:stCondLst>
+                            <p:childTnLst>
+                              <p:par>
+                                <p:cTn id="57" presetID="1" presetClass="entr" presetSubtype="0" fill="hold" nodeType="clickEffect">
+                                  <p:stCondLst>
+                                    <p:cond delay="0"/>
+                                  </p:stCondLst>
+                                  <p:childTnLst>
+                                    <p:set>
+                                      <p:cBhvr>
+                                        <p:cTn id="58" dur="1" fill="hold">
+                                          <p:stCondLst>
+                                            <p:cond delay="0"/>
+                                          </p:stCondLst>
+                                        </p:cTn>
+                                        <p:tgtEl>
+                                          <p:spTgt spid="45"/>
                                         </p:tgtEl>
                                         <p:attrNameLst>
                                           <p:attrName>style.visibility</p:attrName>
@@ -11528,6 +11464,12 @@
 </file>
 
 <file path=customXml/item1.xml><?xml version="1.0" encoding="utf-8"?>
+<p:properties xmlns:p="http://schemas.microsoft.com/office/2006/metadata/properties" xmlns:xsi="http://www.w3.org/2001/XMLSchema-instance" xmlns:pc="http://schemas.microsoft.com/office/infopath/2007/PartnerControls">
+  <documentManagement/>
+</p:properties>
+</file>
+
+<file path=customXml/item2.xml><?xml version="1.0" encoding="utf-8"?>
 <ct:contentTypeSchema xmlns:ct="http://schemas.microsoft.com/office/2006/metadata/contentType" xmlns:ma="http://schemas.microsoft.com/office/2006/metadata/properties/metaAttributes" ct:_="" ma:_="" ma:contentTypeName="Document" ma:contentTypeID="0x0101001132905C37EA9847A7207C4BBCCCD8F4" ma:contentTypeVersion="13" ma:contentTypeDescription="Create a new document." ma:contentTypeScope="" ma:versionID="0fa59793b99d27e1e0b856ab72ac2f0d">
   <xsd:schema xmlns:xsd="http://www.w3.org/2001/XMLSchema" xmlns:xs="http://www.w3.org/2001/XMLSchema" xmlns:p="http://schemas.microsoft.com/office/2006/metadata/properties" xmlns:ns3="4327b14a-fe89-488e-9f6d-9658cacf372b" xmlns:ns4="bbcd8c33-6940-4d4c-a587-bbc736ca1e4d" targetNamespace="http://schemas.microsoft.com/office/2006/metadata/properties" ma:root="true" ma:fieldsID="01494effa1b4414faf4d9851fe547c93" ns3:_="" ns4:_="">
     <xsd:import namespace="4327b14a-fe89-488e-9f6d-9658cacf372b"/>
@@ -11750,12 +11692,6 @@
 </ct:contentTypeSchema>
 </file>
 
-<file path=customXml/item2.xml><?xml version="1.0" encoding="utf-8"?>
-<p:properties xmlns:p="http://schemas.microsoft.com/office/2006/metadata/properties" xmlns:xsi="http://www.w3.org/2001/XMLSchema-instance" xmlns:pc="http://schemas.microsoft.com/office/infopath/2007/PartnerControls">
-  <documentManagement/>
-</p:properties>
-</file>
-
 <file path=customXml/item3.xml><?xml version="1.0" encoding="utf-8"?>
 <?mso-contentType ?>
 <FormTemplates xmlns="http://schemas.microsoft.com/sharepoint/v3/contenttype/forms">
@@ -11766,6 +11702,23 @@
 </file>
 
 <file path=customXml/itemProps1.xml><?xml version="1.0" encoding="utf-8"?>
+<ds:datastoreItem xmlns:ds="http://schemas.openxmlformats.org/officeDocument/2006/customXml" ds:itemID="{30D3F7B2-E865-49C4-B6C4-1C3489F322E5}">
+  <ds:schemaRefs>
+    <ds:schemaRef ds:uri="http://purl.org/dc/elements/1.1/"/>
+    <ds:schemaRef ds:uri="http://schemas.microsoft.com/office/2006/metadata/properties"/>
+    <ds:schemaRef ds:uri="4327b14a-fe89-488e-9f6d-9658cacf372b"/>
+    <ds:schemaRef ds:uri="bbcd8c33-6940-4d4c-a587-bbc736ca1e4d"/>
+    <ds:schemaRef ds:uri="http://purl.org/dc/terms/"/>
+    <ds:schemaRef ds:uri="http://schemas.openxmlformats.org/package/2006/metadata/core-properties"/>
+    <ds:schemaRef ds:uri="http://schemas.microsoft.com/office/2006/documentManagement/types"/>
+    <ds:schemaRef ds:uri="http://schemas.microsoft.com/office/infopath/2007/PartnerControls"/>
+    <ds:schemaRef ds:uri="http://www.w3.org/XML/1998/namespace"/>
+    <ds:schemaRef ds:uri="http://purl.org/dc/dcmitype/"/>
+  </ds:schemaRefs>
+</ds:datastoreItem>
+</file>
+
+<file path=customXml/itemProps2.xml><?xml version="1.0" encoding="utf-8"?>
 <ds:datastoreItem xmlns:ds="http://schemas.openxmlformats.org/officeDocument/2006/customXml" ds:itemID="{5B58B9C8-0155-43AB-B381-4C0241D252D3}">
   <ds:schemaRefs>
     <ds:schemaRef ds:uri="http://schemas.microsoft.com/office/2006/metadata/contentType"/>
@@ -11784,23 +11737,6 @@
 </ds:datastoreItem>
 </file>
 
-<file path=customXml/itemProps2.xml><?xml version="1.0" encoding="utf-8"?>
-<ds:datastoreItem xmlns:ds="http://schemas.openxmlformats.org/officeDocument/2006/customXml" ds:itemID="{30D3F7B2-E865-49C4-B6C4-1C3489F322E5}">
-  <ds:schemaRefs>
-    <ds:schemaRef ds:uri="http://purl.org/dc/elements/1.1/"/>
-    <ds:schemaRef ds:uri="http://schemas.microsoft.com/office/2006/metadata/properties"/>
-    <ds:schemaRef ds:uri="4327b14a-fe89-488e-9f6d-9658cacf372b"/>
-    <ds:schemaRef ds:uri="bbcd8c33-6940-4d4c-a587-bbc736ca1e4d"/>
-    <ds:schemaRef ds:uri="http://purl.org/dc/terms/"/>
-    <ds:schemaRef ds:uri="http://schemas.openxmlformats.org/package/2006/metadata/core-properties"/>
-    <ds:schemaRef ds:uri="http://schemas.microsoft.com/office/2006/documentManagement/types"/>
-    <ds:schemaRef ds:uri="http://schemas.microsoft.com/office/infopath/2007/PartnerControls"/>
-    <ds:schemaRef ds:uri="http://www.w3.org/XML/1998/namespace"/>
-    <ds:schemaRef ds:uri="http://purl.org/dc/dcmitype/"/>
-  </ds:schemaRefs>
-</ds:datastoreItem>
-</file>
-
 <file path=customXml/itemProps3.xml><?xml version="1.0" encoding="utf-8"?>
 <ds:datastoreItem xmlns:ds="http://schemas.openxmlformats.org/officeDocument/2006/customXml" ds:itemID="{B2402960-8EF3-4234-B7C9-25E125FD4CA5}">
   <ds:schemaRefs>
